--- a/Map formatting.pptx
+++ b/Map formatting.pptx
@@ -244,7 +244,7 @@
           <a:p>
             <a:fld id="{8CCA23B4-60B8-465C-B45F-AA27EB463BD9}" type="datetimeFigureOut">
               <a:rPr lang="en-US" smtClean="0"/>
-              <a:t>11/14/2020</a:t>
+              <a:t>12/4/2020</a:t>
             </a:fld>
             <a:endParaRPr lang="en-US"/>
           </a:p>
@@ -414,7 +414,7 @@
           <a:p>
             <a:fld id="{8CCA23B4-60B8-465C-B45F-AA27EB463BD9}" type="datetimeFigureOut">
               <a:rPr lang="en-US" smtClean="0"/>
-              <a:t>11/14/2020</a:t>
+              <a:t>12/4/2020</a:t>
             </a:fld>
             <a:endParaRPr lang="en-US"/>
           </a:p>
@@ -594,7 +594,7 @@
           <a:p>
             <a:fld id="{8CCA23B4-60B8-465C-B45F-AA27EB463BD9}" type="datetimeFigureOut">
               <a:rPr lang="en-US" smtClean="0"/>
-              <a:t>11/14/2020</a:t>
+              <a:t>12/4/2020</a:t>
             </a:fld>
             <a:endParaRPr lang="en-US"/>
           </a:p>
@@ -764,7 +764,7 @@
           <a:p>
             <a:fld id="{8CCA23B4-60B8-465C-B45F-AA27EB463BD9}" type="datetimeFigureOut">
               <a:rPr lang="en-US" smtClean="0"/>
-              <a:t>11/14/2020</a:t>
+              <a:t>12/4/2020</a:t>
             </a:fld>
             <a:endParaRPr lang="en-US"/>
           </a:p>
@@ -1010,7 +1010,7 @@
           <a:p>
             <a:fld id="{8CCA23B4-60B8-465C-B45F-AA27EB463BD9}" type="datetimeFigureOut">
               <a:rPr lang="en-US" smtClean="0"/>
-              <a:t>11/14/2020</a:t>
+              <a:t>12/4/2020</a:t>
             </a:fld>
             <a:endParaRPr lang="en-US"/>
           </a:p>
@@ -1242,7 +1242,7 @@
           <a:p>
             <a:fld id="{8CCA23B4-60B8-465C-B45F-AA27EB463BD9}" type="datetimeFigureOut">
               <a:rPr lang="en-US" smtClean="0"/>
-              <a:t>11/14/2020</a:t>
+              <a:t>12/4/2020</a:t>
             </a:fld>
             <a:endParaRPr lang="en-US"/>
           </a:p>
@@ -1609,7 +1609,7 @@
           <a:p>
             <a:fld id="{8CCA23B4-60B8-465C-B45F-AA27EB463BD9}" type="datetimeFigureOut">
               <a:rPr lang="en-US" smtClean="0"/>
-              <a:t>11/14/2020</a:t>
+              <a:t>12/4/2020</a:t>
             </a:fld>
             <a:endParaRPr lang="en-US"/>
           </a:p>
@@ -1727,7 +1727,7 @@
           <a:p>
             <a:fld id="{8CCA23B4-60B8-465C-B45F-AA27EB463BD9}" type="datetimeFigureOut">
               <a:rPr lang="en-US" smtClean="0"/>
-              <a:t>11/14/2020</a:t>
+              <a:t>12/4/2020</a:t>
             </a:fld>
             <a:endParaRPr lang="en-US"/>
           </a:p>
@@ -1822,7 +1822,7 @@
           <a:p>
             <a:fld id="{8CCA23B4-60B8-465C-B45F-AA27EB463BD9}" type="datetimeFigureOut">
               <a:rPr lang="en-US" smtClean="0"/>
-              <a:t>11/14/2020</a:t>
+              <a:t>12/4/2020</a:t>
             </a:fld>
             <a:endParaRPr lang="en-US"/>
           </a:p>
@@ -2099,7 +2099,7 @@
           <a:p>
             <a:fld id="{8CCA23B4-60B8-465C-B45F-AA27EB463BD9}" type="datetimeFigureOut">
               <a:rPr lang="en-US" smtClean="0"/>
-              <a:t>11/14/2020</a:t>
+              <a:t>12/4/2020</a:t>
             </a:fld>
             <a:endParaRPr lang="en-US"/>
           </a:p>
@@ -2356,7 +2356,7 @@
           <a:p>
             <a:fld id="{8CCA23B4-60B8-465C-B45F-AA27EB463BD9}" type="datetimeFigureOut">
               <a:rPr lang="en-US" smtClean="0"/>
-              <a:t>11/14/2020</a:t>
+              <a:t>12/4/2020</a:t>
             </a:fld>
             <a:endParaRPr lang="en-US"/>
           </a:p>
@@ -2569,7 +2569,7 @@
           <a:p>
             <a:fld id="{8CCA23B4-60B8-465C-B45F-AA27EB463BD9}" type="datetimeFigureOut">
               <a:rPr lang="en-US" smtClean="0"/>
-              <a:t>11/14/2020</a:t>
+              <a:t>12/4/2020</a:t>
             </a:fld>
             <a:endParaRPr lang="en-US"/>
           </a:p>
@@ -2974,242 +2974,197 @@
           <a:chExt cx="0" cy="0"/>
         </a:xfrm>
       </p:grpSpPr>
-      <p:grpSp>
-        <p:nvGrpSpPr>
-          <p:cNvPr id="18" name="Group 17">
+      <p:pic>
+        <p:nvPicPr>
+          <p:cNvPr id="21" name="Picture 20">
             <a:extLst>
               <a:ext uri="{FF2B5EF4-FFF2-40B4-BE49-F238E27FC236}">
-                <a16:creationId xmlns:a16="http://schemas.microsoft.com/office/drawing/2014/main" id="{E3883CF6-D6FE-47E3-9B30-4F7882352F09}"/>
+                <a16:creationId xmlns:a16="http://schemas.microsoft.com/office/drawing/2014/main" id="{6EA70FFF-E008-43F4-871D-69C914C31B29}"/>
               </a:ext>
             </a:extLst>
           </p:cNvPr>
-          <p:cNvGrpSpPr/>
+          <p:cNvPicPr>
+            <a:picLocks noChangeAspect="1"/>
+          </p:cNvPicPr>
           <p:nvPr/>
-        </p:nvGrpSpPr>
-        <p:grpSpPr>
+        </p:nvPicPr>
+        <p:blipFill>
+          <a:blip r:embed="rId2"/>
+          <a:stretch>
+            <a:fillRect/>
+          </a:stretch>
+        </p:blipFill>
+        <p:spPr>
           <a:xfrm>
-            <a:off x="218732" y="-800100"/>
-            <a:ext cx="21526208" cy="11887200"/>
-            <a:chOff x="2288832" y="0"/>
-            <a:chExt cx="21526208" cy="11887200"/>
+            <a:off x="1755206" y="0"/>
+            <a:ext cx="9468605" cy="10058400"/>
           </a:xfrm>
-        </p:grpSpPr>
-        <p:grpSp>
-          <p:nvGrpSpPr>
-            <p:cNvPr id="13" name="Group 12">
-              <a:extLst>
-                <a:ext uri="{FF2B5EF4-FFF2-40B4-BE49-F238E27FC236}">
-                  <a16:creationId xmlns:a16="http://schemas.microsoft.com/office/drawing/2014/main" id="{084CAC72-5813-4803-913C-048DF6CB554C}"/>
-                </a:ext>
-              </a:extLst>
-            </p:cNvPr>
-            <p:cNvGrpSpPr/>
-            <p:nvPr/>
-          </p:nvGrpSpPr>
-          <p:grpSpPr>
-            <a:xfrm>
-              <a:off x="2288832" y="0"/>
-              <a:ext cx="21526208" cy="11887200"/>
-              <a:chOff x="2064958" y="0"/>
-              <a:chExt cx="21526208" cy="11887200"/>
-            </a:xfrm>
-          </p:grpSpPr>
-          <p:pic>
-            <p:nvPicPr>
-              <p:cNvPr id="12" name="Picture 11">
-                <a:extLst>
-                  <a:ext uri="{FF2B5EF4-FFF2-40B4-BE49-F238E27FC236}">
-                    <a16:creationId xmlns:a16="http://schemas.microsoft.com/office/drawing/2014/main" id="{60D4AD5F-F1C4-4E1B-8203-A85338904A9E}"/>
-                  </a:ext>
-                </a:extLst>
-              </p:cNvPr>
-              <p:cNvPicPr>
-                <a:picLocks noChangeAspect="1"/>
-              </p:cNvPicPr>
-              <p:nvPr/>
-            </p:nvPicPr>
-            <p:blipFill rotWithShape="1">
-              <a:blip r:embed="rId2"/>
-              <a:srcRect l="6176"/>
-              <a:stretch/>
-            </p:blipFill>
-            <p:spPr>
-              <a:xfrm>
-                <a:off x="2064958" y="0"/>
-                <a:ext cx="12092766" cy="11887200"/>
-              </a:xfrm>
-              <a:prstGeom prst="rect">
-                <a:avLst/>
-              </a:prstGeom>
-            </p:spPr>
-          </p:pic>
-          <p:pic>
-            <p:nvPicPr>
-              <p:cNvPr id="10" name="Picture 9">
-                <a:extLst>
-                  <a:ext uri="{FF2B5EF4-FFF2-40B4-BE49-F238E27FC236}">
-                    <a16:creationId xmlns:a16="http://schemas.microsoft.com/office/drawing/2014/main" id="{BC5CC1C7-506B-4F5F-8D53-F0AFF7E9FB49}"/>
-                  </a:ext>
-                </a:extLst>
-              </p:cNvPr>
-              <p:cNvPicPr>
-                <a:picLocks noChangeAspect="1"/>
-              </p:cNvPicPr>
-              <p:nvPr/>
-            </p:nvPicPr>
-            <p:blipFill rotWithShape="1">
-              <a:blip r:embed="rId3"/>
-              <a:srcRect l="7568" r="9744"/>
-              <a:stretch/>
-            </p:blipFill>
-            <p:spPr>
-              <a:xfrm>
-                <a:off x="12933680" y="0"/>
-                <a:ext cx="10657486" cy="11887200"/>
-              </a:xfrm>
-              <a:prstGeom prst="rect">
-                <a:avLst/>
-              </a:prstGeom>
-            </p:spPr>
-          </p:pic>
-        </p:grpSp>
-        <p:pic>
-          <p:nvPicPr>
-            <p:cNvPr id="9" name="Picture 8">
-              <a:extLst>
-                <a:ext uri="{FF2B5EF4-FFF2-40B4-BE49-F238E27FC236}">
-                  <a16:creationId xmlns:a16="http://schemas.microsoft.com/office/drawing/2014/main" id="{BDB02CE5-08EE-4F5D-B474-3698687BF7A2}"/>
-                </a:ext>
-              </a:extLst>
-            </p:cNvPr>
-            <p:cNvPicPr>
-              <a:picLocks noChangeAspect="1"/>
-            </p:cNvPicPr>
-            <p:nvPr/>
-          </p:nvPicPr>
-          <p:blipFill>
-            <a:blip r:embed="rId4"/>
-            <a:stretch>
-              <a:fillRect/>
-            </a:stretch>
-          </p:blipFill>
-          <p:spPr>
-            <a:xfrm>
-              <a:off x="2781896" y="5775526"/>
-              <a:ext cx="4187178" cy="4736745"/>
-            </a:xfrm>
-            <a:prstGeom prst="rect">
-              <a:avLst/>
-            </a:prstGeom>
-          </p:spPr>
-        </p:pic>
-        <p:pic>
-          <p:nvPicPr>
-            <p:cNvPr id="6" name="Picture 5">
-              <a:extLst>
-                <a:ext uri="{FF2B5EF4-FFF2-40B4-BE49-F238E27FC236}">
-                  <a16:creationId xmlns:a16="http://schemas.microsoft.com/office/drawing/2014/main" id="{2D8E3C19-E7C4-4263-B19E-DC7A2F759442}"/>
-                </a:ext>
-              </a:extLst>
-            </p:cNvPr>
-            <p:cNvPicPr>
-              <a:picLocks noChangeAspect="1"/>
-            </p:cNvPicPr>
-            <p:nvPr/>
-          </p:nvPicPr>
-          <p:blipFill>
-            <a:blip r:embed="rId4"/>
-            <a:stretch>
-              <a:fillRect/>
-            </a:stretch>
-          </p:blipFill>
-          <p:spPr>
-            <a:xfrm>
-              <a:off x="13519162" y="5775526"/>
-              <a:ext cx="4187178" cy="4736745"/>
-            </a:xfrm>
-            <a:prstGeom prst="rect">
-              <a:avLst/>
-            </a:prstGeom>
-          </p:spPr>
-        </p:pic>
-        <p:sp>
-          <p:nvSpPr>
-            <p:cNvPr id="15" name="TextBox 14">
-              <a:extLst>
-                <a:ext uri="{FF2B5EF4-FFF2-40B4-BE49-F238E27FC236}">
-                  <a16:creationId xmlns:a16="http://schemas.microsoft.com/office/drawing/2014/main" id="{5F334D27-7A62-4943-8870-DC8AF2EAFA4D}"/>
-                </a:ext>
-              </a:extLst>
-            </p:cNvPr>
-            <p:cNvSpPr txBox="1"/>
-            <p:nvPr/>
-          </p:nvSpPr>
-          <p:spPr>
-            <a:xfrm>
-              <a:off x="2555631" y="1043354"/>
-              <a:ext cx="820615" cy="646331"/>
-            </a:xfrm>
-            <a:prstGeom prst="rect">
-              <a:avLst/>
-            </a:prstGeom>
-            <a:noFill/>
-          </p:spPr>
-          <p:txBody>
-            <a:bodyPr wrap="square" rtlCol="0">
-              <a:spAutoFit/>
-            </a:bodyPr>
-            <a:lstStyle/>
-            <a:p>
-              <a:r>
-                <a:rPr lang="en-US" sz="3600" dirty="0">
-                  <a:latin typeface="Roboto" panose="02000000000000000000" pitchFamily="2" charset="0"/>
-                  <a:ea typeface="Roboto" panose="02000000000000000000" pitchFamily="2" charset="0"/>
-                </a:rPr>
-                <a:t>(A)</a:t>
-              </a:r>
-            </a:p>
-          </p:txBody>
-        </p:sp>
-        <p:sp>
-          <p:nvSpPr>
-            <p:cNvPr id="17" name="TextBox 16">
-              <a:extLst>
-                <a:ext uri="{FF2B5EF4-FFF2-40B4-BE49-F238E27FC236}">
-                  <a16:creationId xmlns:a16="http://schemas.microsoft.com/office/drawing/2014/main" id="{E9E110A0-143E-4AA4-B2A0-5F58311C5625}"/>
-                </a:ext>
-              </a:extLst>
-            </p:cNvPr>
-            <p:cNvSpPr txBox="1"/>
-            <p:nvPr/>
-          </p:nvSpPr>
-          <p:spPr>
-            <a:xfrm>
-              <a:off x="13243669" y="1043354"/>
-              <a:ext cx="1001299" cy="646331"/>
-            </a:xfrm>
-            <a:prstGeom prst="rect">
-              <a:avLst/>
-            </a:prstGeom>
-            <a:noFill/>
-          </p:spPr>
-          <p:txBody>
-            <a:bodyPr wrap="square">
-              <a:spAutoFit/>
-            </a:bodyPr>
-            <a:lstStyle/>
-            <a:p>
-              <a:r>
-                <a:rPr lang="en-US" sz="3600" dirty="0">
-                  <a:latin typeface="Roboto" panose="02000000000000000000" pitchFamily="2" charset="0"/>
-                  <a:ea typeface="Roboto" panose="02000000000000000000" pitchFamily="2" charset="0"/>
-                </a:rPr>
-                <a:t>(B)</a:t>
-              </a:r>
-            </a:p>
-          </p:txBody>
-        </p:sp>
-      </p:grpSp>
+          <a:prstGeom prst="rect">
+            <a:avLst/>
+          </a:prstGeom>
+        </p:spPr>
+      </p:pic>
+      <p:pic>
+        <p:nvPicPr>
+          <p:cNvPr id="25" name="Picture 24">
+            <a:extLst>
+              <a:ext uri="{FF2B5EF4-FFF2-40B4-BE49-F238E27FC236}">
+                <a16:creationId xmlns:a16="http://schemas.microsoft.com/office/drawing/2014/main" id="{E8D8C6A7-BAF4-49A3-ACDF-8E9A00F42785}"/>
+              </a:ext>
+            </a:extLst>
+          </p:cNvPr>
+          <p:cNvPicPr>
+            <a:picLocks noChangeAspect="1"/>
+          </p:cNvPicPr>
+          <p:nvPr/>
+        </p:nvPicPr>
+        <p:blipFill rotWithShape="1">
+          <a:blip r:embed="rId3"/>
+          <a:srcRect l="4074"/>
+          <a:stretch/>
+        </p:blipFill>
+        <p:spPr>
+          <a:xfrm>
+            <a:off x="10174665" y="0"/>
+            <a:ext cx="9082846" cy="10058400"/>
+          </a:xfrm>
+          <a:prstGeom prst="rect">
+            <a:avLst/>
+          </a:prstGeom>
+        </p:spPr>
+      </p:pic>
+      <p:pic>
+        <p:nvPicPr>
+          <p:cNvPr id="3" name="Picture 2">
+            <a:extLst>
+              <a:ext uri="{FF2B5EF4-FFF2-40B4-BE49-F238E27FC236}">
+                <a16:creationId xmlns:a16="http://schemas.microsoft.com/office/drawing/2014/main" id="{8C9478FF-013B-4C36-8795-39F14A740D34}"/>
+              </a:ext>
+            </a:extLst>
+          </p:cNvPr>
+          <p:cNvPicPr>
+            <a:picLocks noChangeAspect="1"/>
+          </p:cNvPicPr>
+          <p:nvPr/>
+        </p:nvPicPr>
+        <p:blipFill rotWithShape="1">
+          <a:blip r:embed="rId4"/>
+          <a:srcRect t="16052" r="7520"/>
+          <a:stretch/>
+        </p:blipFill>
+        <p:spPr>
+          <a:xfrm>
+            <a:off x="2688088" y="5709579"/>
+            <a:ext cx="3262769" cy="3204979"/>
+          </a:xfrm>
+          <a:prstGeom prst="rect">
+            <a:avLst/>
+          </a:prstGeom>
+        </p:spPr>
+      </p:pic>
+      <p:pic>
+        <p:nvPicPr>
+          <p:cNvPr id="8" name="Picture 7">
+            <a:extLst>
+              <a:ext uri="{FF2B5EF4-FFF2-40B4-BE49-F238E27FC236}">
+                <a16:creationId xmlns:a16="http://schemas.microsoft.com/office/drawing/2014/main" id="{944D5038-3169-4F29-BD47-8A782892D0EA}"/>
+              </a:ext>
+            </a:extLst>
+          </p:cNvPr>
+          <p:cNvPicPr>
+            <a:picLocks noChangeAspect="1"/>
+          </p:cNvPicPr>
+          <p:nvPr/>
+        </p:nvPicPr>
+        <p:blipFill rotWithShape="1">
+          <a:blip r:embed="rId5"/>
+          <a:srcRect t="16020" r="8149"/>
+          <a:stretch/>
+        </p:blipFill>
+        <p:spPr>
+          <a:xfrm>
+            <a:off x="10972801" y="5709578"/>
+            <a:ext cx="3241014" cy="3204979"/>
+          </a:xfrm>
+          <a:prstGeom prst="rect">
+            <a:avLst/>
+          </a:prstGeom>
+        </p:spPr>
+      </p:pic>
+      <p:sp>
+        <p:nvSpPr>
+          <p:cNvPr id="26" name="TextBox 25">
+            <a:extLst>
+              <a:ext uri="{FF2B5EF4-FFF2-40B4-BE49-F238E27FC236}">
+                <a16:creationId xmlns:a16="http://schemas.microsoft.com/office/drawing/2014/main" id="{130F62BE-96C9-4DD4-A49E-23CC419776BA}"/>
+              </a:ext>
+            </a:extLst>
+          </p:cNvPr>
+          <p:cNvSpPr txBox="1"/>
+          <p:nvPr/>
+        </p:nvSpPr>
+        <p:spPr>
+          <a:xfrm>
+            <a:off x="2789175" y="853440"/>
+            <a:ext cx="801872" cy="523220"/>
+          </a:xfrm>
+          <a:prstGeom prst="rect">
+            <a:avLst/>
+          </a:prstGeom>
+          <a:noFill/>
+        </p:spPr>
+        <p:txBody>
+          <a:bodyPr wrap="square" rtlCol="0">
+            <a:spAutoFit/>
+          </a:bodyPr>
+          <a:lstStyle/>
+          <a:p>
+            <a:r>
+              <a:rPr lang="en-US" sz="2800" dirty="0">
+                <a:latin typeface="Manrope Medium" pitchFamily="2" charset="0"/>
+              </a:rPr>
+              <a:t>(A)</a:t>
+            </a:r>
+          </a:p>
+        </p:txBody>
+      </p:sp>
+      <p:sp>
+        <p:nvSpPr>
+          <p:cNvPr id="27" name="TextBox 26">
+            <a:extLst>
+              <a:ext uri="{FF2B5EF4-FFF2-40B4-BE49-F238E27FC236}">
+                <a16:creationId xmlns:a16="http://schemas.microsoft.com/office/drawing/2014/main" id="{F5B0B521-71E5-43C5-964C-0ED5BBBF162B}"/>
+              </a:ext>
+            </a:extLst>
+          </p:cNvPr>
+          <p:cNvSpPr txBox="1"/>
+          <p:nvPr/>
+        </p:nvSpPr>
+        <p:spPr>
+          <a:xfrm>
+            <a:off x="10822875" y="853440"/>
+            <a:ext cx="801872" cy="523220"/>
+          </a:xfrm>
+          <a:prstGeom prst="rect">
+            <a:avLst/>
+          </a:prstGeom>
+          <a:noFill/>
+        </p:spPr>
+        <p:txBody>
+          <a:bodyPr wrap="square" rtlCol="0">
+            <a:spAutoFit/>
+          </a:bodyPr>
+          <a:lstStyle/>
+          <a:p>
+            <a:r>
+              <a:rPr lang="en-US" sz="2800" dirty="0">
+                <a:latin typeface="Manrope Medium" pitchFamily="2" charset="0"/>
+              </a:rPr>
+              <a:t>(B)</a:t>
+            </a:r>
+          </a:p>
+        </p:txBody>
+      </p:sp>
     </p:spTree>
     <p:extLst>
       <p:ext uri="{BB962C8B-B14F-4D97-AF65-F5344CB8AC3E}">
@@ -3240,6 +3195,36 @@
           <a:chExt cx="0" cy="0"/>
         </a:xfrm>
       </p:grpSpPr>
+      <p:pic>
+        <p:nvPicPr>
+          <p:cNvPr id="4" name="Picture 3">
+            <a:extLst>
+              <a:ext uri="{FF2B5EF4-FFF2-40B4-BE49-F238E27FC236}">
+                <a16:creationId xmlns:a16="http://schemas.microsoft.com/office/drawing/2014/main" id="{97E0A652-EA55-4257-84EB-0614556E06AD}"/>
+              </a:ext>
+            </a:extLst>
+          </p:cNvPr>
+          <p:cNvPicPr>
+            <a:picLocks noChangeAspect="1"/>
+          </p:cNvPicPr>
+          <p:nvPr/>
+        </p:nvPicPr>
+        <p:blipFill>
+          <a:blip r:embed="rId2"/>
+          <a:stretch>
+            <a:fillRect/>
+          </a:stretch>
+        </p:blipFill>
+        <p:spPr>
+          <a:xfrm>
+            <a:off x="-1740996" y="-6540758"/>
+            <a:ext cx="25456402" cy="23075134"/>
+          </a:xfrm>
+          <a:prstGeom prst="rect">
+            <a:avLst/>
+          </a:prstGeom>
+        </p:spPr>
+      </p:pic>
       <p:grpSp>
         <p:nvGrpSpPr>
           <p:cNvPr id="5" name="Group 4">
@@ -3254,48 +3239,12 @@
         </p:nvGrpSpPr>
         <p:grpSpPr>
           <a:xfrm>
-            <a:off x="-1828799" y="-6858000"/>
-            <a:ext cx="25521738" cy="23774400"/>
-            <a:chOff x="1" y="-5943600"/>
-            <a:chExt cx="25521738" cy="23774400"/>
+            <a:off x="533536" y="-6083770"/>
+            <a:ext cx="12997738" cy="20968726"/>
+            <a:chOff x="2362336" y="-5169370"/>
+            <a:chExt cx="12997738" cy="20968726"/>
           </a:xfrm>
         </p:grpSpPr>
-        <p:pic>
-          <p:nvPicPr>
-            <p:cNvPr id="11" name="Picture 10" descr="A picture containing map&#10;&#10;Description automatically generated">
-              <a:extLst>
-                <a:ext uri="{FF2B5EF4-FFF2-40B4-BE49-F238E27FC236}">
-                  <a16:creationId xmlns:a16="http://schemas.microsoft.com/office/drawing/2014/main" id="{9512AAB3-A728-4058-AEB6-A56668B31088}"/>
-                </a:ext>
-              </a:extLst>
-            </p:cNvPr>
-            <p:cNvPicPr>
-              <a:picLocks noChangeAspect="1"/>
-            </p:cNvPicPr>
-            <p:nvPr/>
-          </p:nvPicPr>
-          <p:blipFill>
-            <a:blip r:embed="rId2">
-              <a:extLst>
-                <a:ext uri="{28A0092B-C50C-407E-A947-70E740481C1C}">
-                  <a14:useLocalDpi xmlns:a14="http://schemas.microsoft.com/office/drawing/2010/main" val="0"/>
-                </a:ext>
-              </a:extLst>
-            </a:blip>
-            <a:stretch>
-              <a:fillRect/>
-            </a:stretch>
-          </p:blipFill>
-          <p:spPr>
-            <a:xfrm>
-              <a:off x="1" y="-5943600"/>
-              <a:ext cx="25521738" cy="23774400"/>
-            </a:xfrm>
-            <a:prstGeom prst="rect">
-              <a:avLst/>
-            </a:prstGeom>
-          </p:spPr>
-        </p:pic>
         <p:sp>
           <p:nvSpPr>
             <p:cNvPr id="12" name="TextBox 11">
@@ -3336,7 +3285,7 @@
                   <a:latin typeface="Roboto" panose="02000000000000000000" pitchFamily="2" charset="0"/>
                   <a:ea typeface="Roboto" panose="02000000000000000000" pitchFamily="2" charset="0"/>
                 </a:rPr>
-                <a:t>  </a:t>
+                <a:t>   </a:t>
               </a:r>
               <a:r>
                 <a:rPr lang="en-US" sz="4800" dirty="0">
@@ -3362,7 +3311,7 @@
           </p:nvSpPr>
           <p:spPr>
             <a:xfrm>
-              <a:off x="2558474" y="4329525"/>
+              <a:off x="2558474" y="4310475"/>
               <a:ext cx="12801600" cy="830997"/>
             </a:xfrm>
             <a:prstGeom prst="rect">
@@ -3381,7 +3330,7 @@
                   <a:latin typeface="Roboto" panose="02000000000000000000" pitchFamily="2" charset="0"/>
                   <a:ea typeface="Roboto" panose="02000000000000000000" pitchFamily="2" charset="0"/>
                 </a:rPr>
-                <a:t>n = 56                                                           n = 12  </a:t>
+                <a:t>n = 56                                                            n = 12  </a:t>
               </a:r>
               <a:endParaRPr lang="en-US" sz="4800" dirty="0"/>
             </a:p>
@@ -3401,7 +3350,7 @@
           </p:nvSpPr>
           <p:spPr>
             <a:xfrm>
-              <a:off x="2558474" y="14911209"/>
+              <a:off x="2558474" y="14968359"/>
               <a:ext cx="12801600" cy="830997"/>
             </a:xfrm>
             <a:prstGeom prst="rect">
@@ -3420,7 +3369,7 @@
                   <a:latin typeface="Roboto" panose="02000000000000000000" pitchFamily="2" charset="0"/>
                   <a:ea typeface="Roboto" panose="02000000000000000000" pitchFamily="2" charset="0"/>
                 </a:rPr>
-                <a:t>n = 113                                                         n = 26  </a:t>
+                <a:t>n = 98                                                            n = 14  </a:t>
               </a:r>
               <a:endParaRPr lang="en-US" sz="4800" dirty="0"/>
             </a:p>
@@ -3440,7 +3389,7 @@
           </p:nvSpPr>
           <p:spPr>
             <a:xfrm>
-              <a:off x="2371304" y="5435873"/>
+              <a:off x="2371304" y="5494867"/>
               <a:ext cx="11870557" cy="830997"/>
             </a:xfrm>
             <a:prstGeom prst="rect">
@@ -3466,7 +3415,7 @@
                   <a:latin typeface="Roboto" panose="02000000000000000000" pitchFamily="2" charset="0"/>
                   <a:ea typeface="Roboto" panose="02000000000000000000" pitchFamily="2" charset="0"/>
                 </a:rPr>
-                <a:t>  </a:t>
+                <a:t>   </a:t>
               </a:r>
               <a:r>
                 <a:rPr lang="en-US" sz="4800" dirty="0">

--- a/Map formatting.pptx
+++ b/Map formatting.pptx
@@ -2,13 +2,13 @@
 <file path=ppt/presentation.xml><?xml version="1.0" encoding="utf-8"?>
 <p:presentation xmlns:a="http://schemas.openxmlformats.org/drawingml/2006/main" xmlns:r="http://schemas.openxmlformats.org/officeDocument/2006/relationships" xmlns:p="http://schemas.openxmlformats.org/presentationml/2006/main" saveSubsetFonts="1">
   <p:sldMasterIdLst>
-    <p:sldMasterId id="2147483708" r:id="rId1"/>
+    <p:sldMasterId id="2147483720" r:id="rId1"/>
   </p:sldMasterIdLst>
   <p:sldIdLst>
-    <p:sldId id="256" r:id="rId2"/>
-    <p:sldId id="257" r:id="rId3"/>
+    <p:sldId id="257" r:id="rId2"/>
+    <p:sldId id="256" r:id="rId3"/>
   </p:sldIdLst>
-  <p:sldSz cx="21945600" cy="10058400"/>
+  <p:sldSz cx="25603200" cy="25603200"/>
   <p:notesSz cx="6858000" cy="9144000"/>
   <p:defaultTextStyle>
     <a:defPPr>
@@ -142,15 +142,15 @@
         </p:nvSpPr>
         <p:spPr>
           <a:xfrm>
-            <a:off x="2743200" y="1646133"/>
-            <a:ext cx="16459200" cy="3501813"/>
+            <a:off x="1920240" y="4190155"/>
+            <a:ext cx="21762720" cy="8913707"/>
           </a:xfrm>
         </p:spPr>
         <p:txBody>
           <a:bodyPr anchor="b"/>
           <a:lstStyle>
             <a:lvl1pPr algn="ctr">
-              <a:defRPr sz="8800"/>
+              <a:defRPr sz="16800"/>
             </a:lvl1pPr>
           </a:lstStyle>
           <a:p>
@@ -174,8 +174,8 @@
         </p:nvSpPr>
         <p:spPr>
           <a:xfrm>
-            <a:off x="2743200" y="5282989"/>
-            <a:ext cx="16459200" cy="2428451"/>
+            <a:off x="3200400" y="13447609"/>
+            <a:ext cx="19202400" cy="6181511"/>
           </a:xfrm>
         </p:spPr>
         <p:txBody>
@@ -183,39 +183,39 @@
           <a:lstStyle>
             <a:lvl1pPr marL="0" indent="0" algn="ctr">
               <a:buNone/>
-              <a:defRPr sz="3520"/>
+              <a:defRPr sz="6720"/>
             </a:lvl1pPr>
-            <a:lvl2pPr marL="670575" indent="0" algn="ctr">
-              <a:buNone/>
-              <a:defRPr sz="2933"/>
+            <a:lvl2pPr marL="1280160" indent="0" algn="ctr">
+              <a:buNone/>
+              <a:defRPr sz="5600"/>
             </a:lvl2pPr>
-            <a:lvl3pPr marL="1341150" indent="0" algn="ctr">
-              <a:buNone/>
-              <a:defRPr sz="2640"/>
+            <a:lvl3pPr marL="2560320" indent="0" algn="ctr">
+              <a:buNone/>
+              <a:defRPr sz="5040"/>
             </a:lvl3pPr>
-            <a:lvl4pPr marL="2011726" indent="0" algn="ctr">
-              <a:buNone/>
-              <a:defRPr sz="2347"/>
+            <a:lvl4pPr marL="3840480" indent="0" algn="ctr">
+              <a:buNone/>
+              <a:defRPr sz="4480"/>
             </a:lvl4pPr>
-            <a:lvl5pPr marL="2682301" indent="0" algn="ctr">
-              <a:buNone/>
-              <a:defRPr sz="2347"/>
+            <a:lvl5pPr marL="5120640" indent="0" algn="ctr">
+              <a:buNone/>
+              <a:defRPr sz="4480"/>
             </a:lvl5pPr>
-            <a:lvl6pPr marL="3352876" indent="0" algn="ctr">
-              <a:buNone/>
-              <a:defRPr sz="2347"/>
+            <a:lvl6pPr marL="6400800" indent="0" algn="ctr">
+              <a:buNone/>
+              <a:defRPr sz="4480"/>
             </a:lvl6pPr>
-            <a:lvl7pPr marL="4023451" indent="0" algn="ctr">
-              <a:buNone/>
-              <a:defRPr sz="2347"/>
+            <a:lvl7pPr marL="7680960" indent="0" algn="ctr">
+              <a:buNone/>
+              <a:defRPr sz="4480"/>
             </a:lvl7pPr>
-            <a:lvl8pPr marL="4694027" indent="0" algn="ctr">
-              <a:buNone/>
-              <a:defRPr sz="2347"/>
+            <a:lvl8pPr marL="8961120" indent="0" algn="ctr">
+              <a:buNone/>
+              <a:defRPr sz="4480"/>
             </a:lvl8pPr>
-            <a:lvl9pPr marL="5364602" indent="0" algn="ctr">
-              <a:buNone/>
-              <a:defRPr sz="2347"/>
+            <a:lvl9pPr marL="10241280" indent="0" algn="ctr">
+              <a:buNone/>
+              <a:defRPr sz="4480"/>
             </a:lvl9pPr>
           </a:lstStyle>
           <a:p>
@@ -244,7 +244,7 @@
           <a:p>
             <a:fld id="{8CCA23B4-60B8-465C-B45F-AA27EB463BD9}" type="datetimeFigureOut">
               <a:rPr lang="en-US" smtClean="0"/>
-              <a:t>12/4/2020</a:t>
+              <a:t>5/11/2021</a:t>
             </a:fld>
             <a:endParaRPr lang="en-US"/>
           </a:p>
@@ -295,7 +295,7 @@
     </p:spTree>
     <p:extLst>
       <p:ext uri="{BB962C8B-B14F-4D97-AF65-F5344CB8AC3E}">
-        <p14:creationId xmlns:p14="http://schemas.microsoft.com/office/powerpoint/2010/main" val="1156673702"/>
+        <p14:creationId xmlns:p14="http://schemas.microsoft.com/office/powerpoint/2010/main" val="2707894804"/>
       </p:ext>
     </p:extLst>
   </p:cSld>
@@ -414,7 +414,7 @@
           <a:p>
             <a:fld id="{8CCA23B4-60B8-465C-B45F-AA27EB463BD9}" type="datetimeFigureOut">
               <a:rPr lang="en-US" smtClean="0"/>
-              <a:t>12/4/2020</a:t>
+              <a:t>5/11/2021</a:t>
             </a:fld>
             <a:endParaRPr lang="en-US"/>
           </a:p>
@@ -465,7 +465,7 @@
     </p:spTree>
     <p:extLst>
       <p:ext uri="{BB962C8B-B14F-4D97-AF65-F5344CB8AC3E}">
-        <p14:creationId xmlns:p14="http://schemas.microsoft.com/office/powerpoint/2010/main" val="705816"/>
+        <p14:creationId xmlns:p14="http://schemas.microsoft.com/office/powerpoint/2010/main" val="2192811643"/>
       </p:ext>
     </p:extLst>
   </p:cSld>
@@ -504,8 +504,8 @@
         </p:nvSpPr>
         <p:spPr>
           <a:xfrm>
-            <a:off x="15704820" y="535517"/>
-            <a:ext cx="4732020" cy="8524029"/>
+            <a:off x="18322291" y="1363133"/>
+            <a:ext cx="5520690" cy="21697529"/>
           </a:xfrm>
         </p:spPr>
         <p:txBody>
@@ -532,8 +532,8 @@
         </p:nvSpPr>
         <p:spPr>
           <a:xfrm>
-            <a:off x="1508760" y="535517"/>
-            <a:ext cx="13921740" cy="8524029"/>
+            <a:off x="1760221" y="1363133"/>
+            <a:ext cx="16242030" cy="21697529"/>
           </a:xfrm>
         </p:spPr>
         <p:txBody>
@@ -594,7 +594,7 @@
           <a:p>
             <a:fld id="{8CCA23B4-60B8-465C-B45F-AA27EB463BD9}" type="datetimeFigureOut">
               <a:rPr lang="en-US" smtClean="0"/>
-              <a:t>12/4/2020</a:t>
+              <a:t>5/11/2021</a:t>
             </a:fld>
             <a:endParaRPr lang="en-US"/>
           </a:p>
@@ -645,7 +645,7 @@
     </p:spTree>
     <p:extLst>
       <p:ext uri="{BB962C8B-B14F-4D97-AF65-F5344CB8AC3E}">
-        <p14:creationId xmlns:p14="http://schemas.microsoft.com/office/powerpoint/2010/main" val="436678989"/>
+        <p14:creationId xmlns:p14="http://schemas.microsoft.com/office/powerpoint/2010/main" val="2547648873"/>
       </p:ext>
     </p:extLst>
   </p:cSld>
@@ -764,7 +764,7 @@
           <a:p>
             <a:fld id="{8CCA23B4-60B8-465C-B45F-AA27EB463BD9}" type="datetimeFigureOut">
               <a:rPr lang="en-US" smtClean="0"/>
-              <a:t>12/4/2020</a:t>
+              <a:t>5/11/2021</a:t>
             </a:fld>
             <a:endParaRPr lang="en-US"/>
           </a:p>
@@ -815,7 +815,7 @@
     </p:spTree>
     <p:extLst>
       <p:ext uri="{BB962C8B-B14F-4D97-AF65-F5344CB8AC3E}">
-        <p14:creationId xmlns:p14="http://schemas.microsoft.com/office/powerpoint/2010/main" val="3881813990"/>
+        <p14:creationId xmlns:p14="http://schemas.microsoft.com/office/powerpoint/2010/main" val="3438873247"/>
       </p:ext>
     </p:extLst>
   </p:cSld>
@@ -854,15 +854,15 @@
         </p:nvSpPr>
         <p:spPr>
           <a:xfrm>
-            <a:off x="1497330" y="2507617"/>
-            <a:ext cx="18928080" cy="4184014"/>
+            <a:off x="1746886" y="6383028"/>
+            <a:ext cx="22082760" cy="10650218"/>
           </a:xfrm>
         </p:spPr>
         <p:txBody>
           <a:bodyPr anchor="b"/>
           <a:lstStyle>
             <a:lvl1pPr>
-              <a:defRPr sz="8800"/>
+              <a:defRPr sz="16800"/>
             </a:lvl1pPr>
           </a:lstStyle>
           <a:p>
@@ -886,8 +886,8 @@
         </p:nvSpPr>
         <p:spPr>
           <a:xfrm>
-            <a:off x="1497330" y="6731213"/>
-            <a:ext cx="18928080" cy="2200274"/>
+            <a:off x="1746886" y="17134001"/>
+            <a:ext cx="22082760" cy="5600698"/>
           </a:xfrm>
         </p:spPr>
         <p:txBody>
@@ -895,17 +895,15 @@
           <a:lstStyle>
             <a:lvl1pPr marL="0" indent="0">
               <a:buNone/>
-              <a:defRPr sz="3520">
+              <a:defRPr sz="6720">
                 <a:solidFill>
-                  <a:schemeClr val="tx1">
-                    <a:tint val="75000"/>
-                  </a:schemeClr>
+                  <a:schemeClr val="tx1"/>
                 </a:solidFill>
               </a:defRPr>
             </a:lvl1pPr>
-            <a:lvl2pPr marL="670575" indent="0">
-              <a:buNone/>
-              <a:defRPr sz="2933">
+            <a:lvl2pPr marL="1280160" indent="0">
+              <a:buNone/>
+              <a:defRPr sz="5600">
                 <a:solidFill>
                   <a:schemeClr val="tx1">
                     <a:tint val="75000"/>
@@ -913,9 +911,9 @@
                 </a:solidFill>
               </a:defRPr>
             </a:lvl2pPr>
-            <a:lvl3pPr marL="1341150" indent="0">
-              <a:buNone/>
-              <a:defRPr sz="2640">
+            <a:lvl3pPr marL="2560320" indent="0">
+              <a:buNone/>
+              <a:defRPr sz="5040">
                 <a:solidFill>
                   <a:schemeClr val="tx1">
                     <a:tint val="75000"/>
@@ -923,9 +921,9 @@
                 </a:solidFill>
               </a:defRPr>
             </a:lvl3pPr>
-            <a:lvl4pPr marL="2011726" indent="0">
-              <a:buNone/>
-              <a:defRPr sz="2347">
+            <a:lvl4pPr marL="3840480" indent="0">
+              <a:buNone/>
+              <a:defRPr sz="4480">
                 <a:solidFill>
                   <a:schemeClr val="tx1">
                     <a:tint val="75000"/>
@@ -933,9 +931,9 @@
                 </a:solidFill>
               </a:defRPr>
             </a:lvl4pPr>
-            <a:lvl5pPr marL="2682301" indent="0">
-              <a:buNone/>
-              <a:defRPr sz="2347">
+            <a:lvl5pPr marL="5120640" indent="0">
+              <a:buNone/>
+              <a:defRPr sz="4480">
                 <a:solidFill>
                   <a:schemeClr val="tx1">
                     <a:tint val="75000"/>
@@ -943,9 +941,9 @@
                 </a:solidFill>
               </a:defRPr>
             </a:lvl5pPr>
-            <a:lvl6pPr marL="3352876" indent="0">
-              <a:buNone/>
-              <a:defRPr sz="2347">
+            <a:lvl6pPr marL="6400800" indent="0">
+              <a:buNone/>
+              <a:defRPr sz="4480">
                 <a:solidFill>
                   <a:schemeClr val="tx1">
                     <a:tint val="75000"/>
@@ -953,9 +951,9 @@
                 </a:solidFill>
               </a:defRPr>
             </a:lvl6pPr>
-            <a:lvl7pPr marL="4023451" indent="0">
-              <a:buNone/>
-              <a:defRPr sz="2347">
+            <a:lvl7pPr marL="7680960" indent="0">
+              <a:buNone/>
+              <a:defRPr sz="4480">
                 <a:solidFill>
                   <a:schemeClr val="tx1">
                     <a:tint val="75000"/>
@@ -963,9 +961,9 @@
                 </a:solidFill>
               </a:defRPr>
             </a:lvl7pPr>
-            <a:lvl8pPr marL="4694027" indent="0">
-              <a:buNone/>
-              <a:defRPr sz="2347">
+            <a:lvl8pPr marL="8961120" indent="0">
+              <a:buNone/>
+              <a:defRPr sz="4480">
                 <a:solidFill>
                   <a:schemeClr val="tx1">
                     <a:tint val="75000"/>
@@ -973,9 +971,9 @@
                 </a:solidFill>
               </a:defRPr>
             </a:lvl8pPr>
-            <a:lvl9pPr marL="5364602" indent="0">
-              <a:buNone/>
-              <a:defRPr sz="2347">
+            <a:lvl9pPr marL="10241280" indent="0">
+              <a:buNone/>
+              <a:defRPr sz="4480">
                 <a:solidFill>
                   <a:schemeClr val="tx1">
                     <a:tint val="75000"/>
@@ -1010,7 +1008,7 @@
           <a:p>
             <a:fld id="{8CCA23B4-60B8-465C-B45F-AA27EB463BD9}" type="datetimeFigureOut">
               <a:rPr lang="en-US" smtClean="0"/>
-              <a:t>12/4/2020</a:t>
+              <a:t>5/11/2021</a:t>
             </a:fld>
             <a:endParaRPr lang="en-US"/>
           </a:p>
@@ -1061,7 +1059,7 @@
     </p:spTree>
     <p:extLst>
       <p:ext uri="{BB962C8B-B14F-4D97-AF65-F5344CB8AC3E}">
-        <p14:creationId xmlns:p14="http://schemas.microsoft.com/office/powerpoint/2010/main" val="3112299439"/>
+        <p14:creationId xmlns:p14="http://schemas.microsoft.com/office/powerpoint/2010/main" val="407392314"/>
       </p:ext>
     </p:extLst>
   </p:cSld>
@@ -1123,8 +1121,8 @@
         </p:nvSpPr>
         <p:spPr>
           <a:xfrm>
-            <a:off x="1508760" y="2677584"/>
-            <a:ext cx="9326880" cy="6381962"/>
+            <a:off x="1760220" y="6815667"/>
+            <a:ext cx="10881360" cy="16244995"/>
           </a:xfrm>
         </p:spPr>
         <p:txBody>
@@ -1180,8 +1178,8 @@
         </p:nvSpPr>
         <p:spPr>
           <a:xfrm>
-            <a:off x="11109960" y="2677584"/>
-            <a:ext cx="9326880" cy="6381962"/>
+            <a:off x="12961620" y="6815667"/>
+            <a:ext cx="10881360" cy="16244995"/>
           </a:xfrm>
         </p:spPr>
         <p:txBody>
@@ -1242,7 +1240,7 @@
           <a:p>
             <a:fld id="{8CCA23B4-60B8-465C-B45F-AA27EB463BD9}" type="datetimeFigureOut">
               <a:rPr lang="en-US" smtClean="0"/>
-              <a:t>12/4/2020</a:t>
+              <a:t>5/11/2021</a:t>
             </a:fld>
             <a:endParaRPr lang="en-US"/>
           </a:p>
@@ -1293,7 +1291,7 @@
     </p:spTree>
     <p:extLst>
       <p:ext uri="{BB962C8B-B14F-4D97-AF65-F5344CB8AC3E}">
-        <p14:creationId xmlns:p14="http://schemas.microsoft.com/office/powerpoint/2010/main" val="884244326"/>
+        <p14:creationId xmlns:p14="http://schemas.microsoft.com/office/powerpoint/2010/main" val="1666431296"/>
       </p:ext>
     </p:extLst>
   </p:cSld>
@@ -1332,8 +1330,8 @@
         </p:nvSpPr>
         <p:spPr>
           <a:xfrm>
-            <a:off x="1511618" y="535517"/>
-            <a:ext cx="18928080" cy="1944159"/>
+            <a:off x="1763555" y="1363139"/>
+            <a:ext cx="22082760" cy="4948769"/>
           </a:xfrm>
         </p:spPr>
         <p:txBody>
@@ -1360,8 +1358,8 @@
         </p:nvSpPr>
         <p:spPr>
           <a:xfrm>
-            <a:off x="1511619" y="2465706"/>
-            <a:ext cx="9284017" cy="1208404"/>
+            <a:off x="1763558" y="6276342"/>
+            <a:ext cx="10831352" cy="3075938"/>
           </a:xfrm>
         </p:spPr>
         <p:txBody>
@@ -1369,39 +1367,39 @@
           <a:lstStyle>
             <a:lvl1pPr marL="0" indent="0">
               <a:buNone/>
-              <a:defRPr sz="3520" b="1"/>
+              <a:defRPr sz="6720" b="1"/>
             </a:lvl1pPr>
-            <a:lvl2pPr marL="670575" indent="0">
-              <a:buNone/>
-              <a:defRPr sz="2933" b="1"/>
+            <a:lvl2pPr marL="1280160" indent="0">
+              <a:buNone/>
+              <a:defRPr sz="5600" b="1"/>
             </a:lvl2pPr>
-            <a:lvl3pPr marL="1341150" indent="0">
-              <a:buNone/>
-              <a:defRPr sz="2640" b="1"/>
+            <a:lvl3pPr marL="2560320" indent="0">
+              <a:buNone/>
+              <a:defRPr sz="5040" b="1"/>
             </a:lvl3pPr>
-            <a:lvl4pPr marL="2011726" indent="0">
-              <a:buNone/>
-              <a:defRPr sz="2347" b="1"/>
+            <a:lvl4pPr marL="3840480" indent="0">
+              <a:buNone/>
+              <a:defRPr sz="4480" b="1"/>
             </a:lvl4pPr>
-            <a:lvl5pPr marL="2682301" indent="0">
-              <a:buNone/>
-              <a:defRPr sz="2347" b="1"/>
+            <a:lvl5pPr marL="5120640" indent="0">
+              <a:buNone/>
+              <a:defRPr sz="4480" b="1"/>
             </a:lvl5pPr>
-            <a:lvl6pPr marL="3352876" indent="0">
-              <a:buNone/>
-              <a:defRPr sz="2347" b="1"/>
+            <a:lvl6pPr marL="6400800" indent="0">
+              <a:buNone/>
+              <a:defRPr sz="4480" b="1"/>
             </a:lvl6pPr>
-            <a:lvl7pPr marL="4023451" indent="0">
-              <a:buNone/>
-              <a:defRPr sz="2347" b="1"/>
+            <a:lvl7pPr marL="7680960" indent="0">
+              <a:buNone/>
+              <a:defRPr sz="4480" b="1"/>
             </a:lvl7pPr>
-            <a:lvl8pPr marL="4694027" indent="0">
-              <a:buNone/>
-              <a:defRPr sz="2347" b="1"/>
+            <a:lvl8pPr marL="8961120" indent="0">
+              <a:buNone/>
+              <a:defRPr sz="4480" b="1"/>
             </a:lvl8pPr>
-            <a:lvl9pPr marL="5364602" indent="0">
-              <a:buNone/>
-              <a:defRPr sz="2347" b="1"/>
+            <a:lvl9pPr marL="10241280" indent="0">
+              <a:buNone/>
+              <a:defRPr sz="4480" b="1"/>
             </a:lvl9pPr>
           </a:lstStyle>
           <a:p>
@@ -1425,8 +1423,8 @@
         </p:nvSpPr>
         <p:spPr>
           <a:xfrm>
-            <a:off x="1511619" y="3674110"/>
-            <a:ext cx="9284017" cy="5404062"/>
+            <a:off x="1763558" y="9352280"/>
+            <a:ext cx="10831352" cy="13755795"/>
           </a:xfrm>
         </p:spPr>
         <p:txBody>
@@ -1482,8 +1480,8 @@
         </p:nvSpPr>
         <p:spPr>
           <a:xfrm>
-            <a:off x="11109960" y="2465706"/>
-            <a:ext cx="9329738" cy="1208404"/>
+            <a:off x="12961621" y="6276342"/>
+            <a:ext cx="10884695" cy="3075938"/>
           </a:xfrm>
         </p:spPr>
         <p:txBody>
@@ -1491,39 +1489,39 @@
           <a:lstStyle>
             <a:lvl1pPr marL="0" indent="0">
               <a:buNone/>
-              <a:defRPr sz="3520" b="1"/>
+              <a:defRPr sz="6720" b="1"/>
             </a:lvl1pPr>
-            <a:lvl2pPr marL="670575" indent="0">
-              <a:buNone/>
-              <a:defRPr sz="2933" b="1"/>
+            <a:lvl2pPr marL="1280160" indent="0">
+              <a:buNone/>
+              <a:defRPr sz="5600" b="1"/>
             </a:lvl2pPr>
-            <a:lvl3pPr marL="1341150" indent="0">
-              <a:buNone/>
-              <a:defRPr sz="2640" b="1"/>
+            <a:lvl3pPr marL="2560320" indent="0">
+              <a:buNone/>
+              <a:defRPr sz="5040" b="1"/>
             </a:lvl3pPr>
-            <a:lvl4pPr marL="2011726" indent="0">
-              <a:buNone/>
-              <a:defRPr sz="2347" b="1"/>
+            <a:lvl4pPr marL="3840480" indent="0">
+              <a:buNone/>
+              <a:defRPr sz="4480" b="1"/>
             </a:lvl4pPr>
-            <a:lvl5pPr marL="2682301" indent="0">
-              <a:buNone/>
-              <a:defRPr sz="2347" b="1"/>
+            <a:lvl5pPr marL="5120640" indent="0">
+              <a:buNone/>
+              <a:defRPr sz="4480" b="1"/>
             </a:lvl5pPr>
-            <a:lvl6pPr marL="3352876" indent="0">
-              <a:buNone/>
-              <a:defRPr sz="2347" b="1"/>
+            <a:lvl6pPr marL="6400800" indent="0">
+              <a:buNone/>
+              <a:defRPr sz="4480" b="1"/>
             </a:lvl6pPr>
-            <a:lvl7pPr marL="4023451" indent="0">
-              <a:buNone/>
-              <a:defRPr sz="2347" b="1"/>
+            <a:lvl7pPr marL="7680960" indent="0">
+              <a:buNone/>
+              <a:defRPr sz="4480" b="1"/>
             </a:lvl7pPr>
-            <a:lvl8pPr marL="4694027" indent="0">
-              <a:buNone/>
-              <a:defRPr sz="2347" b="1"/>
+            <a:lvl8pPr marL="8961120" indent="0">
+              <a:buNone/>
+              <a:defRPr sz="4480" b="1"/>
             </a:lvl8pPr>
-            <a:lvl9pPr marL="5364602" indent="0">
-              <a:buNone/>
-              <a:defRPr sz="2347" b="1"/>
+            <a:lvl9pPr marL="10241280" indent="0">
+              <a:buNone/>
+              <a:defRPr sz="4480" b="1"/>
             </a:lvl9pPr>
           </a:lstStyle>
           <a:p>
@@ -1547,8 +1545,8 @@
         </p:nvSpPr>
         <p:spPr>
           <a:xfrm>
-            <a:off x="11109960" y="3674110"/>
-            <a:ext cx="9329738" cy="5404062"/>
+            <a:off x="12961621" y="9352280"/>
+            <a:ext cx="10884695" cy="13755795"/>
           </a:xfrm>
         </p:spPr>
         <p:txBody>
@@ -1609,7 +1607,7 @@
           <a:p>
             <a:fld id="{8CCA23B4-60B8-465C-B45F-AA27EB463BD9}" type="datetimeFigureOut">
               <a:rPr lang="en-US" smtClean="0"/>
-              <a:t>12/4/2020</a:t>
+              <a:t>5/11/2021</a:t>
             </a:fld>
             <a:endParaRPr lang="en-US"/>
           </a:p>
@@ -1660,7 +1658,7 @@
     </p:spTree>
     <p:extLst>
       <p:ext uri="{BB962C8B-B14F-4D97-AF65-F5344CB8AC3E}">
-        <p14:creationId xmlns:p14="http://schemas.microsoft.com/office/powerpoint/2010/main" val="384784387"/>
+        <p14:creationId xmlns:p14="http://schemas.microsoft.com/office/powerpoint/2010/main" val="3878514253"/>
       </p:ext>
     </p:extLst>
   </p:cSld>
@@ -1727,7 +1725,7 @@
           <a:p>
             <a:fld id="{8CCA23B4-60B8-465C-B45F-AA27EB463BD9}" type="datetimeFigureOut">
               <a:rPr lang="en-US" smtClean="0"/>
-              <a:t>12/4/2020</a:t>
+              <a:t>5/11/2021</a:t>
             </a:fld>
             <a:endParaRPr lang="en-US"/>
           </a:p>
@@ -1778,7 +1776,7 @@
     </p:spTree>
     <p:extLst>
       <p:ext uri="{BB962C8B-B14F-4D97-AF65-F5344CB8AC3E}">
-        <p14:creationId xmlns:p14="http://schemas.microsoft.com/office/powerpoint/2010/main" val="1728323932"/>
+        <p14:creationId xmlns:p14="http://schemas.microsoft.com/office/powerpoint/2010/main" val="3151113974"/>
       </p:ext>
     </p:extLst>
   </p:cSld>
@@ -1822,7 +1820,7 @@
           <a:p>
             <a:fld id="{8CCA23B4-60B8-465C-B45F-AA27EB463BD9}" type="datetimeFigureOut">
               <a:rPr lang="en-US" smtClean="0"/>
-              <a:t>12/4/2020</a:t>
+              <a:t>5/11/2021</a:t>
             </a:fld>
             <a:endParaRPr lang="en-US"/>
           </a:p>
@@ -1873,7 +1871,7 @@
     </p:spTree>
     <p:extLst>
       <p:ext uri="{BB962C8B-B14F-4D97-AF65-F5344CB8AC3E}">
-        <p14:creationId xmlns:p14="http://schemas.microsoft.com/office/powerpoint/2010/main" val="1257662383"/>
+        <p14:creationId xmlns:p14="http://schemas.microsoft.com/office/powerpoint/2010/main" val="1229315644"/>
       </p:ext>
     </p:extLst>
   </p:cSld>
@@ -1912,15 +1910,15 @@
         </p:nvSpPr>
         <p:spPr>
           <a:xfrm>
-            <a:off x="1511619" y="670560"/>
-            <a:ext cx="7078027" cy="2346960"/>
+            <a:off x="1763555" y="1706880"/>
+            <a:ext cx="8257698" cy="5974080"/>
           </a:xfrm>
         </p:spPr>
         <p:txBody>
           <a:bodyPr anchor="b"/>
           <a:lstStyle>
             <a:lvl1pPr>
-              <a:defRPr sz="4693"/>
+              <a:defRPr sz="8960"/>
             </a:lvl1pPr>
           </a:lstStyle>
           <a:p>
@@ -1944,39 +1942,39 @@
         </p:nvSpPr>
         <p:spPr>
           <a:xfrm>
-            <a:off x="9329738" y="1448224"/>
-            <a:ext cx="11109960" cy="7147983"/>
+            <a:off x="10884695" y="3686392"/>
+            <a:ext cx="12961620" cy="18194867"/>
           </a:xfrm>
         </p:spPr>
         <p:txBody>
           <a:bodyPr/>
           <a:lstStyle>
             <a:lvl1pPr>
-              <a:defRPr sz="4693"/>
+              <a:defRPr sz="8960"/>
             </a:lvl1pPr>
             <a:lvl2pPr>
-              <a:defRPr sz="4107"/>
+              <a:defRPr sz="7840"/>
             </a:lvl2pPr>
             <a:lvl3pPr>
-              <a:defRPr sz="3520"/>
+              <a:defRPr sz="6720"/>
             </a:lvl3pPr>
             <a:lvl4pPr>
-              <a:defRPr sz="2933"/>
+              <a:defRPr sz="5600"/>
             </a:lvl4pPr>
             <a:lvl5pPr>
-              <a:defRPr sz="2933"/>
+              <a:defRPr sz="5600"/>
             </a:lvl5pPr>
             <a:lvl6pPr>
-              <a:defRPr sz="2933"/>
+              <a:defRPr sz="5600"/>
             </a:lvl6pPr>
             <a:lvl7pPr>
-              <a:defRPr sz="2933"/>
+              <a:defRPr sz="5600"/>
             </a:lvl7pPr>
             <a:lvl8pPr>
-              <a:defRPr sz="2933"/>
+              <a:defRPr sz="5600"/>
             </a:lvl8pPr>
             <a:lvl9pPr>
-              <a:defRPr sz="2933"/>
+              <a:defRPr sz="5600"/>
             </a:lvl9pPr>
           </a:lstStyle>
           <a:p>
@@ -2029,8 +2027,8 @@
         </p:nvSpPr>
         <p:spPr>
           <a:xfrm>
-            <a:off x="1511619" y="3017520"/>
-            <a:ext cx="7078027" cy="5590329"/>
+            <a:off x="1763555" y="7680960"/>
+            <a:ext cx="8257698" cy="14229929"/>
           </a:xfrm>
         </p:spPr>
         <p:txBody>
@@ -2038,39 +2036,39 @@
           <a:lstStyle>
             <a:lvl1pPr marL="0" indent="0">
               <a:buNone/>
-              <a:defRPr sz="2347"/>
+              <a:defRPr sz="4480"/>
             </a:lvl1pPr>
-            <a:lvl2pPr marL="670575" indent="0">
-              <a:buNone/>
-              <a:defRPr sz="2053"/>
+            <a:lvl2pPr marL="1280160" indent="0">
+              <a:buNone/>
+              <a:defRPr sz="3920"/>
             </a:lvl2pPr>
-            <a:lvl3pPr marL="1341150" indent="0">
-              <a:buNone/>
-              <a:defRPr sz="1760"/>
+            <a:lvl3pPr marL="2560320" indent="0">
+              <a:buNone/>
+              <a:defRPr sz="3360"/>
             </a:lvl3pPr>
-            <a:lvl4pPr marL="2011726" indent="0">
-              <a:buNone/>
-              <a:defRPr sz="1467"/>
+            <a:lvl4pPr marL="3840480" indent="0">
+              <a:buNone/>
+              <a:defRPr sz="2800"/>
             </a:lvl4pPr>
-            <a:lvl5pPr marL="2682301" indent="0">
-              <a:buNone/>
-              <a:defRPr sz="1467"/>
+            <a:lvl5pPr marL="5120640" indent="0">
+              <a:buNone/>
+              <a:defRPr sz="2800"/>
             </a:lvl5pPr>
-            <a:lvl6pPr marL="3352876" indent="0">
-              <a:buNone/>
-              <a:defRPr sz="1467"/>
+            <a:lvl6pPr marL="6400800" indent="0">
+              <a:buNone/>
+              <a:defRPr sz="2800"/>
             </a:lvl6pPr>
-            <a:lvl7pPr marL="4023451" indent="0">
-              <a:buNone/>
-              <a:defRPr sz="1467"/>
+            <a:lvl7pPr marL="7680960" indent="0">
+              <a:buNone/>
+              <a:defRPr sz="2800"/>
             </a:lvl7pPr>
-            <a:lvl8pPr marL="4694027" indent="0">
-              <a:buNone/>
-              <a:defRPr sz="1467"/>
+            <a:lvl8pPr marL="8961120" indent="0">
+              <a:buNone/>
+              <a:defRPr sz="2800"/>
             </a:lvl8pPr>
-            <a:lvl9pPr marL="5364602" indent="0">
-              <a:buNone/>
-              <a:defRPr sz="1467"/>
+            <a:lvl9pPr marL="10241280" indent="0">
+              <a:buNone/>
+              <a:defRPr sz="2800"/>
             </a:lvl9pPr>
           </a:lstStyle>
           <a:p>
@@ -2099,7 +2097,7 @@
           <a:p>
             <a:fld id="{8CCA23B4-60B8-465C-B45F-AA27EB463BD9}" type="datetimeFigureOut">
               <a:rPr lang="en-US" smtClean="0"/>
-              <a:t>12/4/2020</a:t>
+              <a:t>5/11/2021</a:t>
             </a:fld>
             <a:endParaRPr lang="en-US"/>
           </a:p>
@@ -2150,7 +2148,7 @@
     </p:spTree>
     <p:extLst>
       <p:ext uri="{BB962C8B-B14F-4D97-AF65-F5344CB8AC3E}">
-        <p14:creationId xmlns:p14="http://schemas.microsoft.com/office/powerpoint/2010/main" val="1965377265"/>
+        <p14:creationId xmlns:p14="http://schemas.microsoft.com/office/powerpoint/2010/main" val="2598043931"/>
       </p:ext>
     </p:extLst>
   </p:cSld>
@@ -2189,15 +2187,15 @@
         </p:nvSpPr>
         <p:spPr>
           <a:xfrm>
-            <a:off x="1511619" y="670560"/>
-            <a:ext cx="7078027" cy="2346960"/>
+            <a:off x="1763555" y="1706880"/>
+            <a:ext cx="8257698" cy="5974080"/>
           </a:xfrm>
         </p:spPr>
         <p:txBody>
           <a:bodyPr anchor="b"/>
           <a:lstStyle>
             <a:lvl1pPr>
-              <a:defRPr sz="4693"/>
+              <a:defRPr sz="8960"/>
             </a:lvl1pPr>
           </a:lstStyle>
           <a:p>
@@ -2221,8 +2219,8 @@
         </p:nvSpPr>
         <p:spPr>
           <a:xfrm>
-            <a:off x="9329738" y="1448224"/>
-            <a:ext cx="11109960" cy="7147983"/>
+            <a:off x="10884695" y="3686392"/>
+            <a:ext cx="12961620" cy="18194867"/>
           </a:xfrm>
         </p:spPr>
         <p:txBody>
@@ -2230,39 +2228,39 @@
           <a:lstStyle>
             <a:lvl1pPr marL="0" indent="0">
               <a:buNone/>
-              <a:defRPr sz="4693"/>
+              <a:defRPr sz="8960"/>
             </a:lvl1pPr>
-            <a:lvl2pPr marL="670575" indent="0">
-              <a:buNone/>
-              <a:defRPr sz="4107"/>
+            <a:lvl2pPr marL="1280160" indent="0">
+              <a:buNone/>
+              <a:defRPr sz="7840"/>
             </a:lvl2pPr>
-            <a:lvl3pPr marL="1341150" indent="0">
-              <a:buNone/>
-              <a:defRPr sz="3520"/>
+            <a:lvl3pPr marL="2560320" indent="0">
+              <a:buNone/>
+              <a:defRPr sz="6720"/>
             </a:lvl3pPr>
-            <a:lvl4pPr marL="2011726" indent="0">
-              <a:buNone/>
-              <a:defRPr sz="2933"/>
+            <a:lvl4pPr marL="3840480" indent="0">
+              <a:buNone/>
+              <a:defRPr sz="5600"/>
             </a:lvl4pPr>
-            <a:lvl5pPr marL="2682301" indent="0">
-              <a:buNone/>
-              <a:defRPr sz="2933"/>
+            <a:lvl5pPr marL="5120640" indent="0">
+              <a:buNone/>
+              <a:defRPr sz="5600"/>
             </a:lvl5pPr>
-            <a:lvl6pPr marL="3352876" indent="0">
-              <a:buNone/>
-              <a:defRPr sz="2933"/>
+            <a:lvl6pPr marL="6400800" indent="0">
+              <a:buNone/>
+              <a:defRPr sz="5600"/>
             </a:lvl6pPr>
-            <a:lvl7pPr marL="4023451" indent="0">
-              <a:buNone/>
-              <a:defRPr sz="2933"/>
+            <a:lvl7pPr marL="7680960" indent="0">
+              <a:buNone/>
+              <a:defRPr sz="5600"/>
             </a:lvl7pPr>
-            <a:lvl8pPr marL="4694027" indent="0">
-              <a:buNone/>
-              <a:defRPr sz="2933"/>
+            <a:lvl8pPr marL="8961120" indent="0">
+              <a:buNone/>
+              <a:defRPr sz="5600"/>
             </a:lvl8pPr>
-            <a:lvl9pPr marL="5364602" indent="0">
-              <a:buNone/>
-              <a:defRPr sz="2933"/>
+            <a:lvl9pPr marL="10241280" indent="0">
+              <a:buNone/>
+              <a:defRPr sz="5600"/>
             </a:lvl9pPr>
           </a:lstStyle>
           <a:p>
@@ -2286,8 +2284,8 @@
         </p:nvSpPr>
         <p:spPr>
           <a:xfrm>
-            <a:off x="1511619" y="3017520"/>
-            <a:ext cx="7078027" cy="5590329"/>
+            <a:off x="1763555" y="7680960"/>
+            <a:ext cx="8257698" cy="14229929"/>
           </a:xfrm>
         </p:spPr>
         <p:txBody>
@@ -2295,39 +2293,39 @@
           <a:lstStyle>
             <a:lvl1pPr marL="0" indent="0">
               <a:buNone/>
-              <a:defRPr sz="2347"/>
+              <a:defRPr sz="4480"/>
             </a:lvl1pPr>
-            <a:lvl2pPr marL="670575" indent="0">
-              <a:buNone/>
-              <a:defRPr sz="2053"/>
+            <a:lvl2pPr marL="1280160" indent="0">
+              <a:buNone/>
+              <a:defRPr sz="3920"/>
             </a:lvl2pPr>
-            <a:lvl3pPr marL="1341150" indent="0">
-              <a:buNone/>
-              <a:defRPr sz="1760"/>
+            <a:lvl3pPr marL="2560320" indent="0">
+              <a:buNone/>
+              <a:defRPr sz="3360"/>
             </a:lvl3pPr>
-            <a:lvl4pPr marL="2011726" indent="0">
-              <a:buNone/>
-              <a:defRPr sz="1467"/>
+            <a:lvl4pPr marL="3840480" indent="0">
+              <a:buNone/>
+              <a:defRPr sz="2800"/>
             </a:lvl4pPr>
-            <a:lvl5pPr marL="2682301" indent="0">
-              <a:buNone/>
-              <a:defRPr sz="1467"/>
+            <a:lvl5pPr marL="5120640" indent="0">
+              <a:buNone/>
+              <a:defRPr sz="2800"/>
             </a:lvl5pPr>
-            <a:lvl6pPr marL="3352876" indent="0">
-              <a:buNone/>
-              <a:defRPr sz="1467"/>
+            <a:lvl6pPr marL="6400800" indent="0">
+              <a:buNone/>
+              <a:defRPr sz="2800"/>
             </a:lvl6pPr>
-            <a:lvl7pPr marL="4023451" indent="0">
-              <a:buNone/>
-              <a:defRPr sz="1467"/>
+            <a:lvl7pPr marL="7680960" indent="0">
+              <a:buNone/>
+              <a:defRPr sz="2800"/>
             </a:lvl7pPr>
-            <a:lvl8pPr marL="4694027" indent="0">
-              <a:buNone/>
-              <a:defRPr sz="1467"/>
+            <a:lvl8pPr marL="8961120" indent="0">
+              <a:buNone/>
+              <a:defRPr sz="2800"/>
             </a:lvl8pPr>
-            <a:lvl9pPr marL="5364602" indent="0">
-              <a:buNone/>
-              <a:defRPr sz="1467"/>
+            <a:lvl9pPr marL="10241280" indent="0">
+              <a:buNone/>
+              <a:defRPr sz="2800"/>
             </a:lvl9pPr>
           </a:lstStyle>
           <a:p>
@@ -2356,7 +2354,7 @@
           <a:p>
             <a:fld id="{8CCA23B4-60B8-465C-B45F-AA27EB463BD9}" type="datetimeFigureOut">
               <a:rPr lang="en-US" smtClean="0"/>
-              <a:t>12/4/2020</a:t>
+              <a:t>5/11/2021</a:t>
             </a:fld>
             <a:endParaRPr lang="en-US"/>
           </a:p>
@@ -2407,7 +2405,7 @@
     </p:spTree>
     <p:extLst>
       <p:ext uri="{BB962C8B-B14F-4D97-AF65-F5344CB8AC3E}">
-        <p14:creationId xmlns:p14="http://schemas.microsoft.com/office/powerpoint/2010/main" val="2043476617"/>
+        <p14:creationId xmlns:p14="http://schemas.microsoft.com/office/powerpoint/2010/main" val="2948542848"/>
       </p:ext>
     </p:extLst>
   </p:cSld>
@@ -2451,8 +2449,8 @@
         </p:nvSpPr>
         <p:spPr>
           <a:xfrm>
-            <a:off x="1508760" y="535517"/>
-            <a:ext cx="18928080" cy="1944159"/>
+            <a:off x="1760220" y="1363139"/>
+            <a:ext cx="22082760" cy="4948769"/>
           </a:xfrm>
           <a:prstGeom prst="rect">
             <a:avLst/>
@@ -2484,8 +2482,8 @@
         </p:nvSpPr>
         <p:spPr>
           <a:xfrm>
-            <a:off x="1508760" y="2677584"/>
-            <a:ext cx="18928080" cy="6381962"/>
+            <a:off x="1760220" y="6815667"/>
+            <a:ext cx="22082760" cy="16244995"/>
           </a:xfrm>
           <a:prstGeom prst="rect">
             <a:avLst/>
@@ -2546,8 +2544,8 @@
         </p:nvSpPr>
         <p:spPr>
           <a:xfrm>
-            <a:off x="1508760" y="9322647"/>
-            <a:ext cx="4937760" cy="535517"/>
+            <a:off x="1760220" y="23730379"/>
+            <a:ext cx="5760720" cy="1363133"/>
           </a:xfrm>
           <a:prstGeom prst="rect">
             <a:avLst/>
@@ -2557,7 +2555,7 @@
           <a:bodyPr vert="horz" lIns="91440" tIns="45720" rIns="91440" bIns="45720" rtlCol="0" anchor="ctr"/>
           <a:lstStyle>
             <a:lvl1pPr algn="l">
-              <a:defRPr sz="1760">
+              <a:defRPr sz="3360">
                 <a:solidFill>
                   <a:schemeClr val="tx1">
                     <a:tint val="75000"/>
@@ -2569,7 +2567,7 @@
           <a:p>
             <a:fld id="{8CCA23B4-60B8-465C-B45F-AA27EB463BD9}" type="datetimeFigureOut">
               <a:rPr lang="en-US" smtClean="0"/>
-              <a:t>12/4/2020</a:t>
+              <a:t>5/11/2021</a:t>
             </a:fld>
             <a:endParaRPr lang="en-US"/>
           </a:p>
@@ -2587,8 +2585,8 @@
         </p:nvSpPr>
         <p:spPr>
           <a:xfrm>
-            <a:off x="7269480" y="9322647"/>
-            <a:ext cx="7406640" cy="535517"/>
+            <a:off x="8481060" y="23730379"/>
+            <a:ext cx="8641080" cy="1363133"/>
           </a:xfrm>
           <a:prstGeom prst="rect">
             <a:avLst/>
@@ -2598,7 +2596,7 @@
           <a:bodyPr vert="horz" lIns="91440" tIns="45720" rIns="91440" bIns="45720" rtlCol="0" anchor="ctr"/>
           <a:lstStyle>
             <a:lvl1pPr algn="ctr">
-              <a:defRPr sz="1760">
+              <a:defRPr sz="3360">
                 <a:solidFill>
                   <a:schemeClr val="tx1">
                     <a:tint val="75000"/>
@@ -2624,8 +2622,8 @@
         </p:nvSpPr>
         <p:spPr>
           <a:xfrm>
-            <a:off x="15499080" y="9322647"/>
-            <a:ext cx="4937760" cy="535517"/>
+            <a:off x="18082260" y="23730379"/>
+            <a:ext cx="5760720" cy="1363133"/>
           </a:xfrm>
           <a:prstGeom prst="rect">
             <a:avLst/>
@@ -2635,7 +2633,7 @@
           <a:bodyPr vert="horz" lIns="91440" tIns="45720" rIns="91440" bIns="45720" rtlCol="0" anchor="ctr"/>
           <a:lstStyle>
             <a:lvl1pPr algn="r">
-              <a:defRPr sz="1760">
+              <a:defRPr sz="3360">
                 <a:solidFill>
                   <a:schemeClr val="tx1">
                     <a:tint val="75000"/>
@@ -2656,27 +2654,27 @@
     </p:spTree>
     <p:extLst>
       <p:ext uri="{BB962C8B-B14F-4D97-AF65-F5344CB8AC3E}">
-        <p14:creationId xmlns:p14="http://schemas.microsoft.com/office/powerpoint/2010/main" val="1208745157"/>
+        <p14:creationId xmlns:p14="http://schemas.microsoft.com/office/powerpoint/2010/main" val="3659567922"/>
       </p:ext>
     </p:extLst>
   </p:cSld>
   <p:clrMap bg1="lt1" tx1="dk1" bg2="lt2" tx2="dk2" accent1="accent1" accent2="accent2" accent3="accent3" accent4="accent4" accent5="accent5" accent6="accent6" hlink="hlink" folHlink="folHlink"/>
   <p:sldLayoutIdLst>
-    <p:sldLayoutId id="2147483709" r:id="rId1"/>
-    <p:sldLayoutId id="2147483710" r:id="rId2"/>
-    <p:sldLayoutId id="2147483711" r:id="rId3"/>
-    <p:sldLayoutId id="2147483712" r:id="rId4"/>
-    <p:sldLayoutId id="2147483713" r:id="rId5"/>
-    <p:sldLayoutId id="2147483714" r:id="rId6"/>
-    <p:sldLayoutId id="2147483715" r:id="rId7"/>
-    <p:sldLayoutId id="2147483716" r:id="rId8"/>
-    <p:sldLayoutId id="2147483717" r:id="rId9"/>
-    <p:sldLayoutId id="2147483718" r:id="rId10"/>
-    <p:sldLayoutId id="2147483719" r:id="rId11"/>
+    <p:sldLayoutId id="2147483721" r:id="rId1"/>
+    <p:sldLayoutId id="2147483722" r:id="rId2"/>
+    <p:sldLayoutId id="2147483723" r:id="rId3"/>
+    <p:sldLayoutId id="2147483724" r:id="rId4"/>
+    <p:sldLayoutId id="2147483725" r:id="rId5"/>
+    <p:sldLayoutId id="2147483726" r:id="rId6"/>
+    <p:sldLayoutId id="2147483727" r:id="rId7"/>
+    <p:sldLayoutId id="2147483728" r:id="rId8"/>
+    <p:sldLayoutId id="2147483729" r:id="rId9"/>
+    <p:sldLayoutId id="2147483730" r:id="rId10"/>
+    <p:sldLayoutId id="2147483731" r:id="rId11"/>
   </p:sldLayoutIdLst>
   <p:txStyles>
     <p:titleStyle>
-      <a:lvl1pPr algn="l" defTabSz="1341150" rtl="0" eaLnBrk="1" latinLnBrk="0" hangingPunct="1">
+      <a:lvl1pPr algn="l" defTabSz="2560320" rtl="0" eaLnBrk="1" latinLnBrk="0" hangingPunct="1">
         <a:lnSpc>
           <a:spcPct val="90000"/>
         </a:lnSpc>
@@ -2684,7 +2682,7 @@
           <a:spcPct val="0"/>
         </a:spcBef>
         <a:buNone/>
-        <a:defRPr sz="6453" kern="1200">
+        <a:defRPr sz="12320" kern="1200">
           <a:solidFill>
             <a:schemeClr val="tx1"/>
           </a:solidFill>
@@ -2695,16 +2693,16 @@
       </a:lvl1pPr>
     </p:titleStyle>
     <p:bodyStyle>
-      <a:lvl1pPr marL="335288" indent="-335288" algn="l" defTabSz="1341150" rtl="0" eaLnBrk="1" latinLnBrk="0" hangingPunct="1">
+      <a:lvl1pPr marL="640080" indent="-640080" algn="l" defTabSz="2560320" rtl="0" eaLnBrk="1" latinLnBrk="0" hangingPunct="1">
         <a:lnSpc>
           <a:spcPct val="90000"/>
         </a:lnSpc>
         <a:spcBef>
-          <a:spcPts val="1467"/>
+          <a:spcPts val="2800"/>
         </a:spcBef>
         <a:buFont typeface="Arial" panose="020B0604020202020204" pitchFamily="34" charset="0"/>
         <a:buChar char="•"/>
-        <a:defRPr sz="4107" kern="1200">
+        <a:defRPr sz="7840" kern="1200">
           <a:solidFill>
             <a:schemeClr val="tx1"/>
           </a:solidFill>
@@ -2713,16 +2711,16 @@
           <a:cs typeface="+mn-cs"/>
         </a:defRPr>
       </a:lvl1pPr>
-      <a:lvl2pPr marL="1005863" indent="-335288" algn="l" defTabSz="1341150" rtl="0" eaLnBrk="1" latinLnBrk="0" hangingPunct="1">
+      <a:lvl2pPr marL="1920240" indent="-640080" algn="l" defTabSz="2560320" rtl="0" eaLnBrk="1" latinLnBrk="0" hangingPunct="1">
         <a:lnSpc>
           <a:spcPct val="90000"/>
         </a:lnSpc>
         <a:spcBef>
-          <a:spcPts val="733"/>
+          <a:spcPts val="1400"/>
         </a:spcBef>
         <a:buFont typeface="Arial" panose="020B0604020202020204" pitchFamily="34" charset="0"/>
         <a:buChar char="•"/>
-        <a:defRPr sz="3520" kern="1200">
+        <a:defRPr sz="6720" kern="1200">
           <a:solidFill>
             <a:schemeClr val="tx1"/>
           </a:solidFill>
@@ -2731,16 +2729,16 @@
           <a:cs typeface="+mn-cs"/>
         </a:defRPr>
       </a:lvl2pPr>
-      <a:lvl3pPr marL="1676438" indent="-335288" algn="l" defTabSz="1341150" rtl="0" eaLnBrk="1" latinLnBrk="0" hangingPunct="1">
+      <a:lvl3pPr marL="3200400" indent="-640080" algn="l" defTabSz="2560320" rtl="0" eaLnBrk="1" latinLnBrk="0" hangingPunct="1">
         <a:lnSpc>
           <a:spcPct val="90000"/>
         </a:lnSpc>
         <a:spcBef>
-          <a:spcPts val="733"/>
+          <a:spcPts val="1400"/>
         </a:spcBef>
         <a:buFont typeface="Arial" panose="020B0604020202020204" pitchFamily="34" charset="0"/>
         <a:buChar char="•"/>
-        <a:defRPr sz="2933" kern="1200">
+        <a:defRPr sz="5600" kern="1200">
           <a:solidFill>
             <a:schemeClr val="tx1"/>
           </a:solidFill>
@@ -2749,16 +2747,16 @@
           <a:cs typeface="+mn-cs"/>
         </a:defRPr>
       </a:lvl3pPr>
-      <a:lvl4pPr marL="2347013" indent="-335288" algn="l" defTabSz="1341150" rtl="0" eaLnBrk="1" latinLnBrk="0" hangingPunct="1">
+      <a:lvl4pPr marL="4480560" indent="-640080" algn="l" defTabSz="2560320" rtl="0" eaLnBrk="1" latinLnBrk="0" hangingPunct="1">
         <a:lnSpc>
           <a:spcPct val="90000"/>
         </a:lnSpc>
         <a:spcBef>
-          <a:spcPts val="733"/>
+          <a:spcPts val="1400"/>
         </a:spcBef>
         <a:buFont typeface="Arial" panose="020B0604020202020204" pitchFamily="34" charset="0"/>
         <a:buChar char="•"/>
-        <a:defRPr sz="2640" kern="1200">
+        <a:defRPr sz="5040" kern="1200">
           <a:solidFill>
             <a:schemeClr val="tx1"/>
           </a:solidFill>
@@ -2767,16 +2765,16 @@
           <a:cs typeface="+mn-cs"/>
         </a:defRPr>
       </a:lvl4pPr>
-      <a:lvl5pPr marL="3017589" indent="-335288" algn="l" defTabSz="1341150" rtl="0" eaLnBrk="1" latinLnBrk="0" hangingPunct="1">
+      <a:lvl5pPr marL="5760720" indent="-640080" algn="l" defTabSz="2560320" rtl="0" eaLnBrk="1" latinLnBrk="0" hangingPunct="1">
         <a:lnSpc>
           <a:spcPct val="90000"/>
         </a:lnSpc>
         <a:spcBef>
-          <a:spcPts val="733"/>
+          <a:spcPts val="1400"/>
         </a:spcBef>
         <a:buFont typeface="Arial" panose="020B0604020202020204" pitchFamily="34" charset="0"/>
         <a:buChar char="•"/>
-        <a:defRPr sz="2640" kern="1200">
+        <a:defRPr sz="5040" kern="1200">
           <a:solidFill>
             <a:schemeClr val="tx1"/>
           </a:solidFill>
@@ -2785,16 +2783,16 @@
           <a:cs typeface="+mn-cs"/>
         </a:defRPr>
       </a:lvl5pPr>
-      <a:lvl6pPr marL="3688164" indent="-335288" algn="l" defTabSz="1341150" rtl="0" eaLnBrk="1" latinLnBrk="0" hangingPunct="1">
+      <a:lvl6pPr marL="7040880" indent="-640080" algn="l" defTabSz="2560320" rtl="0" eaLnBrk="1" latinLnBrk="0" hangingPunct="1">
         <a:lnSpc>
           <a:spcPct val="90000"/>
         </a:lnSpc>
         <a:spcBef>
-          <a:spcPts val="733"/>
+          <a:spcPts val="1400"/>
         </a:spcBef>
         <a:buFont typeface="Arial" panose="020B0604020202020204" pitchFamily="34" charset="0"/>
         <a:buChar char="•"/>
-        <a:defRPr sz="2640" kern="1200">
+        <a:defRPr sz="5040" kern="1200">
           <a:solidFill>
             <a:schemeClr val="tx1"/>
           </a:solidFill>
@@ -2803,16 +2801,16 @@
           <a:cs typeface="+mn-cs"/>
         </a:defRPr>
       </a:lvl6pPr>
-      <a:lvl7pPr marL="4358739" indent="-335288" algn="l" defTabSz="1341150" rtl="0" eaLnBrk="1" latinLnBrk="0" hangingPunct="1">
+      <a:lvl7pPr marL="8321040" indent="-640080" algn="l" defTabSz="2560320" rtl="0" eaLnBrk="1" latinLnBrk="0" hangingPunct="1">
         <a:lnSpc>
           <a:spcPct val="90000"/>
         </a:lnSpc>
         <a:spcBef>
-          <a:spcPts val="733"/>
+          <a:spcPts val="1400"/>
         </a:spcBef>
         <a:buFont typeface="Arial" panose="020B0604020202020204" pitchFamily="34" charset="0"/>
         <a:buChar char="•"/>
-        <a:defRPr sz="2640" kern="1200">
+        <a:defRPr sz="5040" kern="1200">
           <a:solidFill>
             <a:schemeClr val="tx1"/>
           </a:solidFill>
@@ -2821,16 +2819,16 @@
           <a:cs typeface="+mn-cs"/>
         </a:defRPr>
       </a:lvl7pPr>
-      <a:lvl8pPr marL="5029314" indent="-335288" algn="l" defTabSz="1341150" rtl="0" eaLnBrk="1" latinLnBrk="0" hangingPunct="1">
+      <a:lvl8pPr marL="9601200" indent="-640080" algn="l" defTabSz="2560320" rtl="0" eaLnBrk="1" latinLnBrk="0" hangingPunct="1">
         <a:lnSpc>
           <a:spcPct val="90000"/>
         </a:lnSpc>
         <a:spcBef>
-          <a:spcPts val="733"/>
+          <a:spcPts val="1400"/>
         </a:spcBef>
         <a:buFont typeface="Arial" panose="020B0604020202020204" pitchFamily="34" charset="0"/>
         <a:buChar char="•"/>
-        <a:defRPr sz="2640" kern="1200">
+        <a:defRPr sz="5040" kern="1200">
           <a:solidFill>
             <a:schemeClr val="tx1"/>
           </a:solidFill>
@@ -2839,16 +2837,16 @@
           <a:cs typeface="+mn-cs"/>
         </a:defRPr>
       </a:lvl8pPr>
-      <a:lvl9pPr marL="5699890" indent="-335288" algn="l" defTabSz="1341150" rtl="0" eaLnBrk="1" latinLnBrk="0" hangingPunct="1">
+      <a:lvl9pPr marL="10881360" indent="-640080" algn="l" defTabSz="2560320" rtl="0" eaLnBrk="1" latinLnBrk="0" hangingPunct="1">
         <a:lnSpc>
           <a:spcPct val="90000"/>
         </a:lnSpc>
         <a:spcBef>
-          <a:spcPts val="733"/>
+          <a:spcPts val="1400"/>
         </a:spcBef>
         <a:buFont typeface="Arial" panose="020B0604020202020204" pitchFamily="34" charset="0"/>
         <a:buChar char="•"/>
-        <a:defRPr sz="2640" kern="1200">
+        <a:defRPr sz="5040" kern="1200">
           <a:solidFill>
             <a:schemeClr val="tx1"/>
           </a:solidFill>
@@ -2862,8 +2860,8 @@
       <a:defPPr>
         <a:defRPr lang="en-US"/>
       </a:defPPr>
-      <a:lvl1pPr marL="0" algn="l" defTabSz="1341150" rtl="0" eaLnBrk="1" latinLnBrk="0" hangingPunct="1">
-        <a:defRPr sz="2640" kern="1200">
+      <a:lvl1pPr marL="0" algn="l" defTabSz="2560320" rtl="0" eaLnBrk="1" latinLnBrk="0" hangingPunct="1">
+        <a:defRPr sz="5040" kern="1200">
           <a:solidFill>
             <a:schemeClr val="tx1"/>
           </a:solidFill>
@@ -2872,8 +2870,8 @@
           <a:cs typeface="+mn-cs"/>
         </a:defRPr>
       </a:lvl1pPr>
-      <a:lvl2pPr marL="670575" algn="l" defTabSz="1341150" rtl="0" eaLnBrk="1" latinLnBrk="0" hangingPunct="1">
-        <a:defRPr sz="2640" kern="1200">
+      <a:lvl2pPr marL="1280160" algn="l" defTabSz="2560320" rtl="0" eaLnBrk="1" latinLnBrk="0" hangingPunct="1">
+        <a:defRPr sz="5040" kern="1200">
           <a:solidFill>
             <a:schemeClr val="tx1"/>
           </a:solidFill>
@@ -2882,8 +2880,8 @@
           <a:cs typeface="+mn-cs"/>
         </a:defRPr>
       </a:lvl2pPr>
-      <a:lvl3pPr marL="1341150" algn="l" defTabSz="1341150" rtl="0" eaLnBrk="1" latinLnBrk="0" hangingPunct="1">
-        <a:defRPr sz="2640" kern="1200">
+      <a:lvl3pPr marL="2560320" algn="l" defTabSz="2560320" rtl="0" eaLnBrk="1" latinLnBrk="0" hangingPunct="1">
+        <a:defRPr sz="5040" kern="1200">
           <a:solidFill>
             <a:schemeClr val="tx1"/>
           </a:solidFill>
@@ -2892,8 +2890,8 @@
           <a:cs typeface="+mn-cs"/>
         </a:defRPr>
       </a:lvl3pPr>
-      <a:lvl4pPr marL="2011726" algn="l" defTabSz="1341150" rtl="0" eaLnBrk="1" latinLnBrk="0" hangingPunct="1">
-        <a:defRPr sz="2640" kern="1200">
+      <a:lvl4pPr marL="3840480" algn="l" defTabSz="2560320" rtl="0" eaLnBrk="1" latinLnBrk="0" hangingPunct="1">
+        <a:defRPr sz="5040" kern="1200">
           <a:solidFill>
             <a:schemeClr val="tx1"/>
           </a:solidFill>
@@ -2902,8 +2900,8 @@
           <a:cs typeface="+mn-cs"/>
         </a:defRPr>
       </a:lvl4pPr>
-      <a:lvl5pPr marL="2682301" algn="l" defTabSz="1341150" rtl="0" eaLnBrk="1" latinLnBrk="0" hangingPunct="1">
-        <a:defRPr sz="2640" kern="1200">
+      <a:lvl5pPr marL="5120640" algn="l" defTabSz="2560320" rtl="0" eaLnBrk="1" latinLnBrk="0" hangingPunct="1">
+        <a:defRPr sz="5040" kern="1200">
           <a:solidFill>
             <a:schemeClr val="tx1"/>
           </a:solidFill>
@@ -2912,8 +2910,8 @@
           <a:cs typeface="+mn-cs"/>
         </a:defRPr>
       </a:lvl5pPr>
-      <a:lvl6pPr marL="3352876" algn="l" defTabSz="1341150" rtl="0" eaLnBrk="1" latinLnBrk="0" hangingPunct="1">
-        <a:defRPr sz="2640" kern="1200">
+      <a:lvl6pPr marL="6400800" algn="l" defTabSz="2560320" rtl="0" eaLnBrk="1" latinLnBrk="0" hangingPunct="1">
+        <a:defRPr sz="5040" kern="1200">
           <a:solidFill>
             <a:schemeClr val="tx1"/>
           </a:solidFill>
@@ -2922,8 +2920,8 @@
           <a:cs typeface="+mn-cs"/>
         </a:defRPr>
       </a:lvl6pPr>
-      <a:lvl7pPr marL="4023451" algn="l" defTabSz="1341150" rtl="0" eaLnBrk="1" latinLnBrk="0" hangingPunct="1">
-        <a:defRPr sz="2640" kern="1200">
+      <a:lvl7pPr marL="7680960" algn="l" defTabSz="2560320" rtl="0" eaLnBrk="1" latinLnBrk="0" hangingPunct="1">
+        <a:defRPr sz="5040" kern="1200">
           <a:solidFill>
             <a:schemeClr val="tx1"/>
           </a:solidFill>
@@ -2932,8 +2930,8 @@
           <a:cs typeface="+mn-cs"/>
         </a:defRPr>
       </a:lvl7pPr>
-      <a:lvl8pPr marL="4694027" algn="l" defTabSz="1341150" rtl="0" eaLnBrk="1" latinLnBrk="0" hangingPunct="1">
-        <a:defRPr sz="2640" kern="1200">
+      <a:lvl8pPr marL="8961120" algn="l" defTabSz="2560320" rtl="0" eaLnBrk="1" latinLnBrk="0" hangingPunct="1">
+        <a:defRPr sz="5040" kern="1200">
           <a:solidFill>
             <a:schemeClr val="tx1"/>
           </a:solidFill>
@@ -2942,8 +2940,8 @@
           <a:cs typeface="+mn-cs"/>
         </a:defRPr>
       </a:lvl8pPr>
-      <a:lvl9pPr marL="5364602" algn="l" defTabSz="1341150" rtl="0" eaLnBrk="1" latinLnBrk="0" hangingPunct="1">
-        <a:defRPr sz="2640" kern="1200">
+      <a:lvl9pPr marL="10241280" algn="l" defTabSz="2560320" rtl="0" eaLnBrk="1" latinLnBrk="0" hangingPunct="1">
+        <a:defRPr sz="5040" kern="1200">
           <a:solidFill>
             <a:schemeClr val="tx1"/>
           </a:solidFill>
@@ -2976,10 +2974,10 @@
       </p:grpSpPr>
       <p:pic>
         <p:nvPicPr>
-          <p:cNvPr id="21" name="Picture 20">
+          <p:cNvPr id="6" name="Picture 5">
             <a:extLst>
               <a:ext uri="{FF2B5EF4-FFF2-40B4-BE49-F238E27FC236}">
-                <a16:creationId xmlns:a16="http://schemas.microsoft.com/office/drawing/2014/main" id="{6EA70FFF-E008-43F4-871D-69C914C31B29}"/>
+                <a16:creationId xmlns:a16="http://schemas.microsoft.com/office/drawing/2014/main" id="{99507F96-F9BE-4707-B973-2EF27E5B4A58}"/>
               </a:ext>
             </a:extLst>
           </p:cNvPr>
@@ -2996,229 +2994,8 @@
         </p:blipFill>
         <p:spPr>
           <a:xfrm>
-            <a:off x="1755206" y="0"/>
-            <a:ext cx="9468605" cy="10058400"/>
-          </a:xfrm>
-          <a:prstGeom prst="rect">
-            <a:avLst/>
-          </a:prstGeom>
-        </p:spPr>
-      </p:pic>
-      <p:pic>
-        <p:nvPicPr>
-          <p:cNvPr id="25" name="Picture 24">
-            <a:extLst>
-              <a:ext uri="{FF2B5EF4-FFF2-40B4-BE49-F238E27FC236}">
-                <a16:creationId xmlns:a16="http://schemas.microsoft.com/office/drawing/2014/main" id="{E8D8C6A7-BAF4-49A3-ACDF-8E9A00F42785}"/>
-              </a:ext>
-            </a:extLst>
-          </p:cNvPr>
-          <p:cNvPicPr>
-            <a:picLocks noChangeAspect="1"/>
-          </p:cNvPicPr>
-          <p:nvPr/>
-        </p:nvPicPr>
-        <p:blipFill rotWithShape="1">
-          <a:blip r:embed="rId3"/>
-          <a:srcRect l="4074"/>
-          <a:stretch/>
-        </p:blipFill>
-        <p:spPr>
-          <a:xfrm>
-            <a:off x="10174665" y="0"/>
-            <a:ext cx="9082846" cy="10058400"/>
-          </a:xfrm>
-          <a:prstGeom prst="rect">
-            <a:avLst/>
-          </a:prstGeom>
-        </p:spPr>
-      </p:pic>
-      <p:pic>
-        <p:nvPicPr>
-          <p:cNvPr id="3" name="Picture 2">
-            <a:extLst>
-              <a:ext uri="{FF2B5EF4-FFF2-40B4-BE49-F238E27FC236}">
-                <a16:creationId xmlns:a16="http://schemas.microsoft.com/office/drawing/2014/main" id="{8C9478FF-013B-4C36-8795-39F14A740D34}"/>
-              </a:ext>
-            </a:extLst>
-          </p:cNvPr>
-          <p:cNvPicPr>
-            <a:picLocks noChangeAspect="1"/>
-          </p:cNvPicPr>
-          <p:nvPr/>
-        </p:nvPicPr>
-        <p:blipFill rotWithShape="1">
-          <a:blip r:embed="rId4"/>
-          <a:srcRect t="16052" r="7520"/>
-          <a:stretch/>
-        </p:blipFill>
-        <p:spPr>
-          <a:xfrm>
-            <a:off x="2688088" y="5709579"/>
-            <a:ext cx="3262769" cy="3204979"/>
-          </a:xfrm>
-          <a:prstGeom prst="rect">
-            <a:avLst/>
-          </a:prstGeom>
-        </p:spPr>
-      </p:pic>
-      <p:pic>
-        <p:nvPicPr>
-          <p:cNvPr id="8" name="Picture 7">
-            <a:extLst>
-              <a:ext uri="{FF2B5EF4-FFF2-40B4-BE49-F238E27FC236}">
-                <a16:creationId xmlns:a16="http://schemas.microsoft.com/office/drawing/2014/main" id="{944D5038-3169-4F29-BD47-8A782892D0EA}"/>
-              </a:ext>
-            </a:extLst>
-          </p:cNvPr>
-          <p:cNvPicPr>
-            <a:picLocks noChangeAspect="1"/>
-          </p:cNvPicPr>
-          <p:nvPr/>
-        </p:nvPicPr>
-        <p:blipFill rotWithShape="1">
-          <a:blip r:embed="rId5"/>
-          <a:srcRect t="16020" r="8149"/>
-          <a:stretch/>
-        </p:blipFill>
-        <p:spPr>
-          <a:xfrm>
-            <a:off x="10972801" y="5709578"/>
-            <a:ext cx="3241014" cy="3204979"/>
-          </a:xfrm>
-          <a:prstGeom prst="rect">
-            <a:avLst/>
-          </a:prstGeom>
-        </p:spPr>
-      </p:pic>
-      <p:sp>
-        <p:nvSpPr>
-          <p:cNvPr id="26" name="TextBox 25">
-            <a:extLst>
-              <a:ext uri="{FF2B5EF4-FFF2-40B4-BE49-F238E27FC236}">
-                <a16:creationId xmlns:a16="http://schemas.microsoft.com/office/drawing/2014/main" id="{130F62BE-96C9-4DD4-A49E-23CC419776BA}"/>
-              </a:ext>
-            </a:extLst>
-          </p:cNvPr>
-          <p:cNvSpPr txBox="1"/>
-          <p:nvPr/>
-        </p:nvSpPr>
-        <p:spPr>
-          <a:xfrm>
-            <a:off x="2789175" y="853440"/>
-            <a:ext cx="801872" cy="523220"/>
-          </a:xfrm>
-          <a:prstGeom prst="rect">
-            <a:avLst/>
-          </a:prstGeom>
-          <a:noFill/>
-        </p:spPr>
-        <p:txBody>
-          <a:bodyPr wrap="square" rtlCol="0">
-            <a:spAutoFit/>
-          </a:bodyPr>
-          <a:lstStyle/>
-          <a:p>
-            <a:r>
-              <a:rPr lang="en-US" sz="2800" dirty="0">
-                <a:latin typeface="Manrope Medium" pitchFamily="2" charset="0"/>
-              </a:rPr>
-              <a:t>(A)</a:t>
-            </a:r>
-          </a:p>
-        </p:txBody>
-      </p:sp>
-      <p:sp>
-        <p:nvSpPr>
-          <p:cNvPr id="27" name="TextBox 26">
-            <a:extLst>
-              <a:ext uri="{FF2B5EF4-FFF2-40B4-BE49-F238E27FC236}">
-                <a16:creationId xmlns:a16="http://schemas.microsoft.com/office/drawing/2014/main" id="{F5B0B521-71E5-43C5-964C-0ED5BBBF162B}"/>
-              </a:ext>
-            </a:extLst>
-          </p:cNvPr>
-          <p:cNvSpPr txBox="1"/>
-          <p:nvPr/>
-        </p:nvSpPr>
-        <p:spPr>
-          <a:xfrm>
-            <a:off x="10822875" y="853440"/>
-            <a:ext cx="801872" cy="523220"/>
-          </a:xfrm>
-          <a:prstGeom prst="rect">
-            <a:avLst/>
-          </a:prstGeom>
-          <a:noFill/>
-        </p:spPr>
-        <p:txBody>
-          <a:bodyPr wrap="square" rtlCol="0">
-            <a:spAutoFit/>
-          </a:bodyPr>
-          <a:lstStyle/>
-          <a:p>
-            <a:r>
-              <a:rPr lang="en-US" sz="2800" dirty="0">
-                <a:latin typeface="Manrope Medium" pitchFamily="2" charset="0"/>
-              </a:rPr>
-              <a:t>(B)</a:t>
-            </a:r>
-          </a:p>
-        </p:txBody>
-      </p:sp>
-    </p:spTree>
-    <p:extLst>
-      <p:ext uri="{BB962C8B-B14F-4D97-AF65-F5344CB8AC3E}">
-        <p14:creationId xmlns:p14="http://schemas.microsoft.com/office/powerpoint/2010/main" val="2465947727"/>
-      </p:ext>
-    </p:extLst>
-  </p:cSld>
-  <p:clrMapOvr>
-    <a:masterClrMapping/>
-  </p:clrMapOvr>
-</p:sld>
-</file>
-
-<file path=ppt/slides/slide2.xml><?xml version="1.0" encoding="utf-8"?>
-<p:sld xmlns:a="http://schemas.openxmlformats.org/drawingml/2006/main" xmlns:r="http://schemas.openxmlformats.org/officeDocument/2006/relationships" xmlns:p="http://schemas.openxmlformats.org/presentationml/2006/main">
-  <p:cSld>
-    <p:spTree>
-      <p:nvGrpSpPr>
-        <p:cNvPr id="1" name=""/>
-        <p:cNvGrpSpPr/>
-        <p:nvPr/>
-      </p:nvGrpSpPr>
-      <p:grpSpPr>
-        <a:xfrm>
-          <a:off x="0" y="0"/>
-          <a:ext cx="0" cy="0"/>
-          <a:chOff x="0" y="0"/>
-          <a:chExt cx="0" cy="0"/>
-        </a:xfrm>
-      </p:grpSpPr>
-      <p:pic>
-        <p:nvPicPr>
-          <p:cNvPr id="4" name="Picture 3">
-            <a:extLst>
-              <a:ext uri="{FF2B5EF4-FFF2-40B4-BE49-F238E27FC236}">
-                <a16:creationId xmlns:a16="http://schemas.microsoft.com/office/drawing/2014/main" id="{97E0A652-EA55-4257-84EB-0614556E06AD}"/>
-              </a:ext>
-            </a:extLst>
-          </p:cNvPr>
-          <p:cNvPicPr>
-            <a:picLocks noChangeAspect="1"/>
-          </p:cNvPicPr>
-          <p:nvPr/>
-        </p:nvPicPr>
-        <p:blipFill>
-          <a:blip r:embed="rId2"/>
-          <a:stretch>
-            <a:fillRect/>
-          </a:stretch>
-        </p:blipFill>
-        <p:spPr>
-          <a:xfrm>
-            <a:off x="-1740996" y="-6540758"/>
-            <a:ext cx="25456402" cy="23075134"/>
+            <a:off x="446049" y="1096508"/>
+            <a:ext cx="25012772" cy="23157153"/>
           </a:xfrm>
           <a:prstGeom prst="rect">
             <a:avLst/>
@@ -3239,10 +3016,10 @@
         </p:nvGrpSpPr>
         <p:grpSpPr>
           <a:xfrm>
-            <a:off x="533536" y="-6083770"/>
-            <a:ext cx="12997738" cy="20968726"/>
-            <a:chOff x="2362336" y="-5169370"/>
-            <a:chExt cx="12997738" cy="20968726"/>
+            <a:off x="2371304" y="1592379"/>
+            <a:ext cx="12988770" cy="21165946"/>
+            <a:chOff x="2371304" y="-5265622"/>
+            <a:chExt cx="12988770" cy="20259073"/>
           </a:xfrm>
         </p:grpSpPr>
         <p:sp>
@@ -3259,8 +3036,8 @@
           </p:nvSpPr>
           <p:spPr>
             <a:xfrm>
-              <a:off x="2362336" y="-5169370"/>
-              <a:ext cx="11870557" cy="830997"/>
+              <a:off x="2386399" y="-5265622"/>
+              <a:ext cx="11897809" cy="795392"/>
             </a:xfrm>
             <a:prstGeom prst="rect">
               <a:avLst/>
@@ -3311,8 +3088,8 @@
           </p:nvSpPr>
           <p:spPr>
             <a:xfrm>
-              <a:off x="2558474" y="4310475"/>
-              <a:ext cx="12801600" cy="830997"/>
+              <a:off x="2558474" y="3939444"/>
+              <a:ext cx="12801600" cy="795392"/>
             </a:xfrm>
             <a:prstGeom prst="rect">
               <a:avLst/>
@@ -3330,7 +3107,7 @@
                   <a:latin typeface="Roboto" panose="02000000000000000000" pitchFamily="2" charset="0"/>
                   <a:ea typeface="Roboto" panose="02000000000000000000" pitchFamily="2" charset="0"/>
                 </a:rPr>
-                <a:t>n = 56                                                            n = 12  </a:t>
+                <a:t>n = 58                                                            n = 12  </a:t>
               </a:r>
               <a:endParaRPr lang="en-US" sz="4800" dirty="0"/>
             </a:p>
@@ -3350,8 +3127,8 @@
           </p:nvSpPr>
           <p:spPr>
             <a:xfrm>
-              <a:off x="2558474" y="14968359"/>
-              <a:ext cx="12801600" cy="830997"/>
+              <a:off x="2558474" y="14198059"/>
+              <a:ext cx="12801600" cy="795392"/>
             </a:xfrm>
             <a:prstGeom prst="rect">
               <a:avLst/>
@@ -3369,7 +3146,7 @@
                   <a:latin typeface="Roboto" panose="02000000000000000000" pitchFamily="2" charset="0"/>
                   <a:ea typeface="Roboto" panose="02000000000000000000" pitchFamily="2" charset="0"/>
                 </a:rPr>
-                <a:t>n = 98                                                            n = 14  </a:t>
+                <a:t>n = 108                                                           n = 14  </a:t>
               </a:r>
               <a:endParaRPr lang="en-US" sz="4800" dirty="0"/>
             </a:p>
@@ -3389,8 +3166,8 @@
           </p:nvSpPr>
           <p:spPr>
             <a:xfrm>
-              <a:off x="2371304" y="5494867"/>
-              <a:ext cx="11870557" cy="830997"/>
+              <a:off x="2371304" y="5069896"/>
+              <a:ext cx="11917045" cy="795392"/>
             </a:xfrm>
             <a:prstGeom prst="rect">
               <a:avLst/>
@@ -3432,6 +3209,227 @@
     <p:extLst>
       <p:ext uri="{BB962C8B-B14F-4D97-AF65-F5344CB8AC3E}">
         <p14:creationId xmlns:p14="http://schemas.microsoft.com/office/powerpoint/2010/main" val="1039272120"/>
+      </p:ext>
+    </p:extLst>
+  </p:cSld>
+  <p:clrMapOvr>
+    <a:masterClrMapping/>
+  </p:clrMapOvr>
+</p:sld>
+</file>
+
+<file path=ppt/slides/slide2.xml><?xml version="1.0" encoding="utf-8"?>
+<p:sld xmlns:a="http://schemas.openxmlformats.org/drawingml/2006/main" xmlns:r="http://schemas.openxmlformats.org/officeDocument/2006/relationships" xmlns:p="http://schemas.openxmlformats.org/presentationml/2006/main">
+  <p:cSld>
+    <p:spTree>
+      <p:nvGrpSpPr>
+        <p:cNvPr id="1" name=""/>
+        <p:cNvGrpSpPr/>
+        <p:nvPr/>
+      </p:nvGrpSpPr>
+      <p:grpSpPr>
+        <a:xfrm>
+          <a:off x="0" y="0"/>
+          <a:ext cx="0" cy="0"/>
+          <a:chOff x="0" y="0"/>
+          <a:chExt cx="0" cy="0"/>
+        </a:xfrm>
+      </p:grpSpPr>
+      <p:pic>
+        <p:nvPicPr>
+          <p:cNvPr id="21" name="Picture 20">
+            <a:extLst>
+              <a:ext uri="{FF2B5EF4-FFF2-40B4-BE49-F238E27FC236}">
+                <a16:creationId xmlns:a16="http://schemas.microsoft.com/office/drawing/2014/main" id="{6EA70FFF-E008-43F4-871D-69C914C31B29}"/>
+              </a:ext>
+            </a:extLst>
+          </p:cNvPr>
+          <p:cNvPicPr>
+            <a:picLocks noChangeAspect="1"/>
+          </p:cNvPicPr>
+          <p:nvPr/>
+        </p:nvPicPr>
+        <p:blipFill>
+          <a:blip r:embed="rId2"/>
+          <a:stretch>
+            <a:fillRect/>
+          </a:stretch>
+        </p:blipFill>
+        <p:spPr>
+          <a:xfrm>
+            <a:off x="3584010" y="7772400"/>
+            <a:ext cx="9468605" cy="10058400"/>
+          </a:xfrm>
+          <a:prstGeom prst="rect">
+            <a:avLst/>
+          </a:prstGeom>
+        </p:spPr>
+      </p:pic>
+      <p:pic>
+        <p:nvPicPr>
+          <p:cNvPr id="25" name="Picture 24">
+            <a:extLst>
+              <a:ext uri="{FF2B5EF4-FFF2-40B4-BE49-F238E27FC236}">
+                <a16:creationId xmlns:a16="http://schemas.microsoft.com/office/drawing/2014/main" id="{E8D8C6A7-BAF4-49A3-ACDF-8E9A00F42785}"/>
+              </a:ext>
+            </a:extLst>
+          </p:cNvPr>
+          <p:cNvPicPr>
+            <a:picLocks noChangeAspect="1"/>
+          </p:cNvPicPr>
+          <p:nvPr/>
+        </p:nvPicPr>
+        <p:blipFill rotWithShape="1">
+          <a:blip r:embed="rId3"/>
+          <a:srcRect l="4074"/>
+          <a:stretch/>
+        </p:blipFill>
+        <p:spPr>
+          <a:xfrm>
+            <a:off x="12003465" y="7772400"/>
+            <a:ext cx="9082846" cy="10058400"/>
+          </a:xfrm>
+          <a:prstGeom prst="rect">
+            <a:avLst/>
+          </a:prstGeom>
+        </p:spPr>
+      </p:pic>
+      <p:pic>
+        <p:nvPicPr>
+          <p:cNvPr id="3" name="Picture 2">
+            <a:extLst>
+              <a:ext uri="{FF2B5EF4-FFF2-40B4-BE49-F238E27FC236}">
+                <a16:creationId xmlns:a16="http://schemas.microsoft.com/office/drawing/2014/main" id="{8C9478FF-013B-4C36-8795-39F14A740D34}"/>
+              </a:ext>
+            </a:extLst>
+          </p:cNvPr>
+          <p:cNvPicPr>
+            <a:picLocks noChangeAspect="1"/>
+          </p:cNvPicPr>
+          <p:nvPr/>
+        </p:nvPicPr>
+        <p:blipFill rotWithShape="1">
+          <a:blip r:embed="rId4"/>
+          <a:srcRect t="16052" r="7520"/>
+          <a:stretch/>
+        </p:blipFill>
+        <p:spPr>
+          <a:xfrm>
+            <a:off x="4516890" y="13481983"/>
+            <a:ext cx="3262769" cy="3204979"/>
+          </a:xfrm>
+          <a:prstGeom prst="rect">
+            <a:avLst/>
+          </a:prstGeom>
+        </p:spPr>
+      </p:pic>
+      <p:pic>
+        <p:nvPicPr>
+          <p:cNvPr id="8" name="Picture 7">
+            <a:extLst>
+              <a:ext uri="{FF2B5EF4-FFF2-40B4-BE49-F238E27FC236}">
+                <a16:creationId xmlns:a16="http://schemas.microsoft.com/office/drawing/2014/main" id="{944D5038-3169-4F29-BD47-8A782892D0EA}"/>
+              </a:ext>
+            </a:extLst>
+          </p:cNvPr>
+          <p:cNvPicPr>
+            <a:picLocks noChangeAspect="1"/>
+          </p:cNvPicPr>
+          <p:nvPr/>
+        </p:nvPicPr>
+        <p:blipFill rotWithShape="1">
+          <a:blip r:embed="rId5"/>
+          <a:srcRect t="16020" r="8149"/>
+          <a:stretch/>
+        </p:blipFill>
+        <p:spPr>
+          <a:xfrm>
+            <a:off x="12801603" y="13481982"/>
+            <a:ext cx="3241014" cy="3204979"/>
+          </a:xfrm>
+          <a:prstGeom prst="rect">
+            <a:avLst/>
+          </a:prstGeom>
+        </p:spPr>
+      </p:pic>
+      <p:sp>
+        <p:nvSpPr>
+          <p:cNvPr id="26" name="TextBox 25">
+            <a:extLst>
+              <a:ext uri="{FF2B5EF4-FFF2-40B4-BE49-F238E27FC236}">
+                <a16:creationId xmlns:a16="http://schemas.microsoft.com/office/drawing/2014/main" id="{130F62BE-96C9-4DD4-A49E-23CC419776BA}"/>
+              </a:ext>
+            </a:extLst>
+          </p:cNvPr>
+          <p:cNvSpPr txBox="1"/>
+          <p:nvPr/>
+        </p:nvSpPr>
+        <p:spPr>
+          <a:xfrm>
+            <a:off x="4617976" y="8625840"/>
+            <a:ext cx="801872" cy="523220"/>
+          </a:xfrm>
+          <a:prstGeom prst="rect">
+            <a:avLst/>
+          </a:prstGeom>
+          <a:noFill/>
+        </p:spPr>
+        <p:txBody>
+          <a:bodyPr wrap="square" rtlCol="0">
+            <a:spAutoFit/>
+          </a:bodyPr>
+          <a:lstStyle/>
+          <a:p>
+            <a:r>
+              <a:rPr lang="en-US" sz="2800" dirty="0">
+                <a:latin typeface="Manrope Medium" pitchFamily="2" charset="0"/>
+              </a:rPr>
+              <a:t>(A)</a:t>
+            </a:r>
+          </a:p>
+        </p:txBody>
+      </p:sp>
+      <p:sp>
+        <p:nvSpPr>
+          <p:cNvPr id="27" name="TextBox 26">
+            <a:extLst>
+              <a:ext uri="{FF2B5EF4-FFF2-40B4-BE49-F238E27FC236}">
+                <a16:creationId xmlns:a16="http://schemas.microsoft.com/office/drawing/2014/main" id="{F5B0B521-71E5-43C5-964C-0ED5BBBF162B}"/>
+              </a:ext>
+            </a:extLst>
+          </p:cNvPr>
+          <p:cNvSpPr txBox="1"/>
+          <p:nvPr/>
+        </p:nvSpPr>
+        <p:spPr>
+          <a:xfrm>
+            <a:off x="12651676" y="8625840"/>
+            <a:ext cx="801872" cy="523220"/>
+          </a:xfrm>
+          <a:prstGeom prst="rect">
+            <a:avLst/>
+          </a:prstGeom>
+          <a:noFill/>
+        </p:spPr>
+        <p:txBody>
+          <a:bodyPr wrap="square" rtlCol="0">
+            <a:spAutoFit/>
+          </a:bodyPr>
+          <a:lstStyle/>
+          <a:p>
+            <a:r>
+              <a:rPr lang="en-US" sz="2800" dirty="0">
+                <a:latin typeface="Manrope Medium" pitchFamily="2" charset="0"/>
+              </a:rPr>
+              <a:t>(B)</a:t>
+            </a:r>
+          </a:p>
+        </p:txBody>
+      </p:sp>
+    </p:spTree>
+    <p:extLst>
+      <p:ext uri="{BB962C8B-B14F-4D97-AF65-F5344CB8AC3E}">
+        <p14:creationId xmlns:p14="http://schemas.microsoft.com/office/powerpoint/2010/main" val="2465947727"/>
       </p:ext>
     </p:extLst>
   </p:cSld>

--- a/Map formatting.pptx
+++ b/Map formatting.pptx
@@ -2,13 +2,13 @@
 <file path=ppt/presentation.xml><?xml version="1.0" encoding="utf-8"?>
 <p:presentation xmlns:a="http://schemas.openxmlformats.org/drawingml/2006/main" xmlns:r="http://schemas.openxmlformats.org/officeDocument/2006/relationships" xmlns:p="http://schemas.openxmlformats.org/presentationml/2006/main" saveSubsetFonts="1">
   <p:sldMasterIdLst>
-    <p:sldMasterId id="2147483720" r:id="rId1"/>
+    <p:sldMasterId id="2147483744" r:id="rId1"/>
   </p:sldMasterIdLst>
   <p:sldIdLst>
     <p:sldId id="257" r:id="rId2"/>
     <p:sldId id="256" r:id="rId3"/>
   </p:sldIdLst>
-  <p:sldSz cx="25603200" cy="25603200"/>
+  <p:sldSz cx="20116800" cy="9144000"/>
   <p:notesSz cx="6858000" cy="9144000"/>
   <p:defaultTextStyle>
     <a:defPPr>
@@ -142,15 +142,15 @@
         </p:nvSpPr>
         <p:spPr>
           <a:xfrm>
-            <a:off x="1920240" y="4190155"/>
-            <a:ext cx="21762720" cy="8913707"/>
+            <a:off x="2514600" y="1496484"/>
+            <a:ext cx="15087600" cy="3183467"/>
           </a:xfrm>
         </p:spPr>
         <p:txBody>
           <a:bodyPr anchor="b"/>
           <a:lstStyle>
             <a:lvl1pPr algn="ctr">
-              <a:defRPr sz="16800"/>
+              <a:defRPr sz="8000"/>
             </a:lvl1pPr>
           </a:lstStyle>
           <a:p>
@@ -174,8 +174,8 @@
         </p:nvSpPr>
         <p:spPr>
           <a:xfrm>
-            <a:off x="3200400" y="13447609"/>
-            <a:ext cx="19202400" cy="6181511"/>
+            <a:off x="2514600" y="4802717"/>
+            <a:ext cx="15087600" cy="2207683"/>
           </a:xfrm>
         </p:spPr>
         <p:txBody>
@@ -183,39 +183,39 @@
           <a:lstStyle>
             <a:lvl1pPr marL="0" indent="0" algn="ctr">
               <a:buNone/>
-              <a:defRPr sz="6720"/>
+              <a:defRPr sz="3200"/>
             </a:lvl1pPr>
-            <a:lvl2pPr marL="1280160" indent="0" algn="ctr">
-              <a:buNone/>
-              <a:defRPr sz="5600"/>
+            <a:lvl2pPr marL="609585" indent="0" algn="ctr">
+              <a:buNone/>
+              <a:defRPr sz="2667"/>
             </a:lvl2pPr>
-            <a:lvl3pPr marL="2560320" indent="0" algn="ctr">
-              <a:buNone/>
-              <a:defRPr sz="5040"/>
+            <a:lvl3pPr marL="1219170" indent="0" algn="ctr">
+              <a:buNone/>
+              <a:defRPr sz="2400"/>
             </a:lvl3pPr>
-            <a:lvl4pPr marL="3840480" indent="0" algn="ctr">
-              <a:buNone/>
-              <a:defRPr sz="4480"/>
+            <a:lvl4pPr marL="1828754" indent="0" algn="ctr">
+              <a:buNone/>
+              <a:defRPr sz="2133"/>
             </a:lvl4pPr>
-            <a:lvl5pPr marL="5120640" indent="0" algn="ctr">
-              <a:buNone/>
-              <a:defRPr sz="4480"/>
+            <a:lvl5pPr marL="2438339" indent="0" algn="ctr">
+              <a:buNone/>
+              <a:defRPr sz="2133"/>
             </a:lvl5pPr>
-            <a:lvl6pPr marL="6400800" indent="0" algn="ctr">
-              <a:buNone/>
-              <a:defRPr sz="4480"/>
+            <a:lvl6pPr marL="3047924" indent="0" algn="ctr">
+              <a:buNone/>
+              <a:defRPr sz="2133"/>
             </a:lvl6pPr>
-            <a:lvl7pPr marL="7680960" indent="0" algn="ctr">
-              <a:buNone/>
-              <a:defRPr sz="4480"/>
+            <a:lvl7pPr marL="3657509" indent="0" algn="ctr">
+              <a:buNone/>
+              <a:defRPr sz="2133"/>
             </a:lvl7pPr>
-            <a:lvl8pPr marL="8961120" indent="0" algn="ctr">
-              <a:buNone/>
-              <a:defRPr sz="4480"/>
+            <a:lvl8pPr marL="4267093" indent="0" algn="ctr">
+              <a:buNone/>
+              <a:defRPr sz="2133"/>
             </a:lvl8pPr>
-            <a:lvl9pPr marL="10241280" indent="0" algn="ctr">
-              <a:buNone/>
-              <a:defRPr sz="4480"/>
+            <a:lvl9pPr marL="4876678" indent="0" algn="ctr">
+              <a:buNone/>
+              <a:defRPr sz="2133"/>
             </a:lvl9pPr>
           </a:lstStyle>
           <a:p>
@@ -244,7 +244,7 @@
           <a:p>
             <a:fld id="{8CCA23B4-60B8-465C-B45F-AA27EB463BD9}" type="datetimeFigureOut">
               <a:rPr lang="en-US" smtClean="0"/>
-              <a:t>5/11/2021</a:t>
+              <a:t>7/2/2021</a:t>
             </a:fld>
             <a:endParaRPr lang="en-US"/>
           </a:p>
@@ -295,7 +295,7 @@
     </p:spTree>
     <p:extLst>
       <p:ext uri="{BB962C8B-B14F-4D97-AF65-F5344CB8AC3E}">
-        <p14:creationId xmlns:p14="http://schemas.microsoft.com/office/powerpoint/2010/main" val="2707894804"/>
+        <p14:creationId xmlns:p14="http://schemas.microsoft.com/office/powerpoint/2010/main" val="1193871728"/>
       </p:ext>
     </p:extLst>
   </p:cSld>
@@ -414,7 +414,7 @@
           <a:p>
             <a:fld id="{8CCA23B4-60B8-465C-B45F-AA27EB463BD9}" type="datetimeFigureOut">
               <a:rPr lang="en-US" smtClean="0"/>
-              <a:t>5/11/2021</a:t>
+              <a:t>7/2/2021</a:t>
             </a:fld>
             <a:endParaRPr lang="en-US"/>
           </a:p>
@@ -465,7 +465,7 @@
     </p:spTree>
     <p:extLst>
       <p:ext uri="{BB962C8B-B14F-4D97-AF65-F5344CB8AC3E}">
-        <p14:creationId xmlns:p14="http://schemas.microsoft.com/office/powerpoint/2010/main" val="2192811643"/>
+        <p14:creationId xmlns:p14="http://schemas.microsoft.com/office/powerpoint/2010/main" val="3060102277"/>
       </p:ext>
     </p:extLst>
   </p:cSld>
@@ -504,8 +504,8 @@
         </p:nvSpPr>
         <p:spPr>
           <a:xfrm>
-            <a:off x="18322291" y="1363133"/>
-            <a:ext cx="5520690" cy="21697529"/>
+            <a:off x="14396085" y="486834"/>
+            <a:ext cx="4337685" cy="7749117"/>
           </a:xfrm>
         </p:spPr>
         <p:txBody>
@@ -532,8 +532,8 @@
         </p:nvSpPr>
         <p:spPr>
           <a:xfrm>
-            <a:off x="1760221" y="1363133"/>
-            <a:ext cx="16242030" cy="21697529"/>
+            <a:off x="1383030" y="486834"/>
+            <a:ext cx="12761595" cy="7749117"/>
           </a:xfrm>
         </p:spPr>
         <p:txBody>
@@ -594,7 +594,7 @@
           <a:p>
             <a:fld id="{8CCA23B4-60B8-465C-B45F-AA27EB463BD9}" type="datetimeFigureOut">
               <a:rPr lang="en-US" smtClean="0"/>
-              <a:t>5/11/2021</a:t>
+              <a:t>7/2/2021</a:t>
             </a:fld>
             <a:endParaRPr lang="en-US"/>
           </a:p>
@@ -645,7 +645,7 @@
     </p:spTree>
     <p:extLst>
       <p:ext uri="{BB962C8B-B14F-4D97-AF65-F5344CB8AC3E}">
-        <p14:creationId xmlns:p14="http://schemas.microsoft.com/office/powerpoint/2010/main" val="2547648873"/>
+        <p14:creationId xmlns:p14="http://schemas.microsoft.com/office/powerpoint/2010/main" val="1927142829"/>
       </p:ext>
     </p:extLst>
   </p:cSld>
@@ -764,7 +764,7 @@
           <a:p>
             <a:fld id="{8CCA23B4-60B8-465C-B45F-AA27EB463BD9}" type="datetimeFigureOut">
               <a:rPr lang="en-US" smtClean="0"/>
-              <a:t>5/11/2021</a:t>
+              <a:t>7/2/2021</a:t>
             </a:fld>
             <a:endParaRPr lang="en-US"/>
           </a:p>
@@ -815,7 +815,7 @@
     </p:spTree>
     <p:extLst>
       <p:ext uri="{BB962C8B-B14F-4D97-AF65-F5344CB8AC3E}">
-        <p14:creationId xmlns:p14="http://schemas.microsoft.com/office/powerpoint/2010/main" val="3438873247"/>
+        <p14:creationId xmlns:p14="http://schemas.microsoft.com/office/powerpoint/2010/main" val="4130888766"/>
       </p:ext>
     </p:extLst>
   </p:cSld>
@@ -854,15 +854,15 @@
         </p:nvSpPr>
         <p:spPr>
           <a:xfrm>
-            <a:off x="1746886" y="6383028"/>
-            <a:ext cx="22082760" cy="10650218"/>
+            <a:off x="1372553" y="2279652"/>
+            <a:ext cx="17350740" cy="3803649"/>
           </a:xfrm>
         </p:spPr>
         <p:txBody>
           <a:bodyPr anchor="b"/>
           <a:lstStyle>
             <a:lvl1pPr>
-              <a:defRPr sz="16800"/>
+              <a:defRPr sz="8000"/>
             </a:lvl1pPr>
           </a:lstStyle>
           <a:p>
@@ -886,8 +886,8 @@
         </p:nvSpPr>
         <p:spPr>
           <a:xfrm>
-            <a:off x="1746886" y="17134001"/>
-            <a:ext cx="22082760" cy="5600698"/>
+            <a:off x="1372553" y="6119285"/>
+            <a:ext cx="17350740" cy="2000249"/>
           </a:xfrm>
         </p:spPr>
         <p:txBody>
@@ -895,15 +895,17 @@
           <a:lstStyle>
             <a:lvl1pPr marL="0" indent="0">
               <a:buNone/>
-              <a:defRPr sz="6720">
+              <a:defRPr sz="3200">
                 <a:solidFill>
-                  <a:schemeClr val="tx1"/>
+                  <a:schemeClr val="tx1">
+                    <a:tint val="75000"/>
+                  </a:schemeClr>
                 </a:solidFill>
               </a:defRPr>
             </a:lvl1pPr>
-            <a:lvl2pPr marL="1280160" indent="0">
-              <a:buNone/>
-              <a:defRPr sz="5600">
+            <a:lvl2pPr marL="609585" indent="0">
+              <a:buNone/>
+              <a:defRPr sz="2667">
                 <a:solidFill>
                   <a:schemeClr val="tx1">
                     <a:tint val="75000"/>
@@ -911,9 +913,9 @@
                 </a:solidFill>
               </a:defRPr>
             </a:lvl2pPr>
-            <a:lvl3pPr marL="2560320" indent="0">
-              <a:buNone/>
-              <a:defRPr sz="5040">
+            <a:lvl3pPr marL="1219170" indent="0">
+              <a:buNone/>
+              <a:defRPr sz="2400">
                 <a:solidFill>
                   <a:schemeClr val="tx1">
                     <a:tint val="75000"/>
@@ -921,9 +923,9 @@
                 </a:solidFill>
               </a:defRPr>
             </a:lvl3pPr>
-            <a:lvl4pPr marL="3840480" indent="0">
-              <a:buNone/>
-              <a:defRPr sz="4480">
+            <a:lvl4pPr marL="1828754" indent="0">
+              <a:buNone/>
+              <a:defRPr sz="2133">
                 <a:solidFill>
                   <a:schemeClr val="tx1">
                     <a:tint val="75000"/>
@@ -931,9 +933,9 @@
                 </a:solidFill>
               </a:defRPr>
             </a:lvl4pPr>
-            <a:lvl5pPr marL="5120640" indent="0">
-              <a:buNone/>
-              <a:defRPr sz="4480">
+            <a:lvl5pPr marL="2438339" indent="0">
+              <a:buNone/>
+              <a:defRPr sz="2133">
                 <a:solidFill>
                   <a:schemeClr val="tx1">
                     <a:tint val="75000"/>
@@ -941,9 +943,9 @@
                 </a:solidFill>
               </a:defRPr>
             </a:lvl5pPr>
-            <a:lvl6pPr marL="6400800" indent="0">
-              <a:buNone/>
-              <a:defRPr sz="4480">
+            <a:lvl6pPr marL="3047924" indent="0">
+              <a:buNone/>
+              <a:defRPr sz="2133">
                 <a:solidFill>
                   <a:schemeClr val="tx1">
                     <a:tint val="75000"/>
@@ -951,9 +953,9 @@
                 </a:solidFill>
               </a:defRPr>
             </a:lvl6pPr>
-            <a:lvl7pPr marL="7680960" indent="0">
-              <a:buNone/>
-              <a:defRPr sz="4480">
+            <a:lvl7pPr marL="3657509" indent="0">
+              <a:buNone/>
+              <a:defRPr sz="2133">
                 <a:solidFill>
                   <a:schemeClr val="tx1">
                     <a:tint val="75000"/>
@@ -961,9 +963,9 @@
                 </a:solidFill>
               </a:defRPr>
             </a:lvl7pPr>
-            <a:lvl8pPr marL="8961120" indent="0">
-              <a:buNone/>
-              <a:defRPr sz="4480">
+            <a:lvl8pPr marL="4267093" indent="0">
+              <a:buNone/>
+              <a:defRPr sz="2133">
                 <a:solidFill>
                   <a:schemeClr val="tx1">
                     <a:tint val="75000"/>
@@ -971,9 +973,9 @@
                 </a:solidFill>
               </a:defRPr>
             </a:lvl8pPr>
-            <a:lvl9pPr marL="10241280" indent="0">
-              <a:buNone/>
-              <a:defRPr sz="4480">
+            <a:lvl9pPr marL="4876678" indent="0">
+              <a:buNone/>
+              <a:defRPr sz="2133">
                 <a:solidFill>
                   <a:schemeClr val="tx1">
                     <a:tint val="75000"/>
@@ -1008,7 +1010,7 @@
           <a:p>
             <a:fld id="{8CCA23B4-60B8-465C-B45F-AA27EB463BD9}" type="datetimeFigureOut">
               <a:rPr lang="en-US" smtClean="0"/>
-              <a:t>5/11/2021</a:t>
+              <a:t>7/2/2021</a:t>
             </a:fld>
             <a:endParaRPr lang="en-US"/>
           </a:p>
@@ -1059,7 +1061,7 @@
     </p:spTree>
     <p:extLst>
       <p:ext uri="{BB962C8B-B14F-4D97-AF65-F5344CB8AC3E}">
-        <p14:creationId xmlns:p14="http://schemas.microsoft.com/office/powerpoint/2010/main" val="407392314"/>
+        <p14:creationId xmlns:p14="http://schemas.microsoft.com/office/powerpoint/2010/main" val="3051586144"/>
       </p:ext>
     </p:extLst>
   </p:cSld>
@@ -1121,8 +1123,8 @@
         </p:nvSpPr>
         <p:spPr>
           <a:xfrm>
-            <a:off x="1760220" y="6815667"/>
-            <a:ext cx="10881360" cy="16244995"/>
+            <a:off x="1383030" y="2434167"/>
+            <a:ext cx="8549640" cy="5801784"/>
           </a:xfrm>
         </p:spPr>
         <p:txBody>
@@ -1178,8 +1180,8 @@
         </p:nvSpPr>
         <p:spPr>
           <a:xfrm>
-            <a:off x="12961620" y="6815667"/>
-            <a:ext cx="10881360" cy="16244995"/>
+            <a:off x="10184130" y="2434167"/>
+            <a:ext cx="8549640" cy="5801784"/>
           </a:xfrm>
         </p:spPr>
         <p:txBody>
@@ -1240,7 +1242,7 @@
           <a:p>
             <a:fld id="{8CCA23B4-60B8-465C-B45F-AA27EB463BD9}" type="datetimeFigureOut">
               <a:rPr lang="en-US" smtClean="0"/>
-              <a:t>5/11/2021</a:t>
+              <a:t>7/2/2021</a:t>
             </a:fld>
             <a:endParaRPr lang="en-US"/>
           </a:p>
@@ -1291,7 +1293,7 @@
     </p:spTree>
     <p:extLst>
       <p:ext uri="{BB962C8B-B14F-4D97-AF65-F5344CB8AC3E}">
-        <p14:creationId xmlns:p14="http://schemas.microsoft.com/office/powerpoint/2010/main" val="1666431296"/>
+        <p14:creationId xmlns:p14="http://schemas.microsoft.com/office/powerpoint/2010/main" val="51859865"/>
       </p:ext>
     </p:extLst>
   </p:cSld>
@@ -1330,8 +1332,8 @@
         </p:nvSpPr>
         <p:spPr>
           <a:xfrm>
-            <a:off x="1763555" y="1363139"/>
-            <a:ext cx="22082760" cy="4948769"/>
+            <a:off x="1385650" y="486834"/>
+            <a:ext cx="17350740" cy="1767417"/>
           </a:xfrm>
         </p:spPr>
         <p:txBody>
@@ -1358,8 +1360,8 @@
         </p:nvSpPr>
         <p:spPr>
           <a:xfrm>
-            <a:off x="1763558" y="6276342"/>
-            <a:ext cx="10831352" cy="3075938"/>
+            <a:off x="1385651" y="2241551"/>
+            <a:ext cx="8510349" cy="1098549"/>
           </a:xfrm>
         </p:spPr>
         <p:txBody>
@@ -1367,39 +1369,39 @@
           <a:lstStyle>
             <a:lvl1pPr marL="0" indent="0">
               <a:buNone/>
-              <a:defRPr sz="6720" b="1"/>
+              <a:defRPr sz="3200" b="1"/>
             </a:lvl1pPr>
-            <a:lvl2pPr marL="1280160" indent="0">
-              <a:buNone/>
-              <a:defRPr sz="5600" b="1"/>
+            <a:lvl2pPr marL="609585" indent="0">
+              <a:buNone/>
+              <a:defRPr sz="2667" b="1"/>
             </a:lvl2pPr>
-            <a:lvl3pPr marL="2560320" indent="0">
-              <a:buNone/>
-              <a:defRPr sz="5040" b="1"/>
+            <a:lvl3pPr marL="1219170" indent="0">
+              <a:buNone/>
+              <a:defRPr sz="2400" b="1"/>
             </a:lvl3pPr>
-            <a:lvl4pPr marL="3840480" indent="0">
-              <a:buNone/>
-              <a:defRPr sz="4480" b="1"/>
+            <a:lvl4pPr marL="1828754" indent="0">
+              <a:buNone/>
+              <a:defRPr sz="2133" b="1"/>
             </a:lvl4pPr>
-            <a:lvl5pPr marL="5120640" indent="0">
-              <a:buNone/>
-              <a:defRPr sz="4480" b="1"/>
+            <a:lvl5pPr marL="2438339" indent="0">
+              <a:buNone/>
+              <a:defRPr sz="2133" b="1"/>
             </a:lvl5pPr>
-            <a:lvl6pPr marL="6400800" indent="0">
-              <a:buNone/>
-              <a:defRPr sz="4480" b="1"/>
+            <a:lvl6pPr marL="3047924" indent="0">
+              <a:buNone/>
+              <a:defRPr sz="2133" b="1"/>
             </a:lvl6pPr>
-            <a:lvl7pPr marL="7680960" indent="0">
-              <a:buNone/>
-              <a:defRPr sz="4480" b="1"/>
+            <a:lvl7pPr marL="3657509" indent="0">
+              <a:buNone/>
+              <a:defRPr sz="2133" b="1"/>
             </a:lvl7pPr>
-            <a:lvl8pPr marL="8961120" indent="0">
-              <a:buNone/>
-              <a:defRPr sz="4480" b="1"/>
+            <a:lvl8pPr marL="4267093" indent="0">
+              <a:buNone/>
+              <a:defRPr sz="2133" b="1"/>
             </a:lvl8pPr>
-            <a:lvl9pPr marL="10241280" indent="0">
-              <a:buNone/>
-              <a:defRPr sz="4480" b="1"/>
+            <a:lvl9pPr marL="4876678" indent="0">
+              <a:buNone/>
+              <a:defRPr sz="2133" b="1"/>
             </a:lvl9pPr>
           </a:lstStyle>
           <a:p>
@@ -1423,8 +1425,8 @@
         </p:nvSpPr>
         <p:spPr>
           <a:xfrm>
-            <a:off x="1763558" y="9352280"/>
-            <a:ext cx="10831352" cy="13755795"/>
+            <a:off x="1385651" y="3340100"/>
+            <a:ext cx="8510349" cy="4912784"/>
           </a:xfrm>
         </p:spPr>
         <p:txBody>
@@ -1480,8 +1482,8 @@
         </p:nvSpPr>
         <p:spPr>
           <a:xfrm>
-            <a:off x="12961621" y="6276342"/>
-            <a:ext cx="10884695" cy="3075938"/>
+            <a:off x="10184130" y="2241551"/>
+            <a:ext cx="8552260" cy="1098549"/>
           </a:xfrm>
         </p:spPr>
         <p:txBody>
@@ -1489,39 +1491,39 @@
           <a:lstStyle>
             <a:lvl1pPr marL="0" indent="0">
               <a:buNone/>
-              <a:defRPr sz="6720" b="1"/>
+              <a:defRPr sz="3200" b="1"/>
             </a:lvl1pPr>
-            <a:lvl2pPr marL="1280160" indent="0">
-              <a:buNone/>
-              <a:defRPr sz="5600" b="1"/>
+            <a:lvl2pPr marL="609585" indent="0">
+              <a:buNone/>
+              <a:defRPr sz="2667" b="1"/>
             </a:lvl2pPr>
-            <a:lvl3pPr marL="2560320" indent="0">
-              <a:buNone/>
-              <a:defRPr sz="5040" b="1"/>
+            <a:lvl3pPr marL="1219170" indent="0">
+              <a:buNone/>
+              <a:defRPr sz="2400" b="1"/>
             </a:lvl3pPr>
-            <a:lvl4pPr marL="3840480" indent="0">
-              <a:buNone/>
-              <a:defRPr sz="4480" b="1"/>
+            <a:lvl4pPr marL="1828754" indent="0">
+              <a:buNone/>
+              <a:defRPr sz="2133" b="1"/>
             </a:lvl4pPr>
-            <a:lvl5pPr marL="5120640" indent="0">
-              <a:buNone/>
-              <a:defRPr sz="4480" b="1"/>
+            <a:lvl5pPr marL="2438339" indent="0">
+              <a:buNone/>
+              <a:defRPr sz="2133" b="1"/>
             </a:lvl5pPr>
-            <a:lvl6pPr marL="6400800" indent="0">
-              <a:buNone/>
-              <a:defRPr sz="4480" b="1"/>
+            <a:lvl6pPr marL="3047924" indent="0">
+              <a:buNone/>
+              <a:defRPr sz="2133" b="1"/>
             </a:lvl6pPr>
-            <a:lvl7pPr marL="7680960" indent="0">
-              <a:buNone/>
-              <a:defRPr sz="4480" b="1"/>
+            <a:lvl7pPr marL="3657509" indent="0">
+              <a:buNone/>
+              <a:defRPr sz="2133" b="1"/>
             </a:lvl7pPr>
-            <a:lvl8pPr marL="8961120" indent="0">
-              <a:buNone/>
-              <a:defRPr sz="4480" b="1"/>
+            <a:lvl8pPr marL="4267093" indent="0">
+              <a:buNone/>
+              <a:defRPr sz="2133" b="1"/>
             </a:lvl8pPr>
-            <a:lvl9pPr marL="10241280" indent="0">
-              <a:buNone/>
-              <a:defRPr sz="4480" b="1"/>
+            <a:lvl9pPr marL="4876678" indent="0">
+              <a:buNone/>
+              <a:defRPr sz="2133" b="1"/>
             </a:lvl9pPr>
           </a:lstStyle>
           <a:p>
@@ -1545,8 +1547,8 @@
         </p:nvSpPr>
         <p:spPr>
           <a:xfrm>
-            <a:off x="12961621" y="9352280"/>
-            <a:ext cx="10884695" cy="13755795"/>
+            <a:off x="10184130" y="3340100"/>
+            <a:ext cx="8552260" cy="4912784"/>
           </a:xfrm>
         </p:spPr>
         <p:txBody>
@@ -1607,7 +1609,7 @@
           <a:p>
             <a:fld id="{8CCA23B4-60B8-465C-B45F-AA27EB463BD9}" type="datetimeFigureOut">
               <a:rPr lang="en-US" smtClean="0"/>
-              <a:t>5/11/2021</a:t>
+              <a:t>7/2/2021</a:t>
             </a:fld>
             <a:endParaRPr lang="en-US"/>
           </a:p>
@@ -1658,7 +1660,7 @@
     </p:spTree>
     <p:extLst>
       <p:ext uri="{BB962C8B-B14F-4D97-AF65-F5344CB8AC3E}">
-        <p14:creationId xmlns:p14="http://schemas.microsoft.com/office/powerpoint/2010/main" val="3878514253"/>
+        <p14:creationId xmlns:p14="http://schemas.microsoft.com/office/powerpoint/2010/main" val="3411500953"/>
       </p:ext>
     </p:extLst>
   </p:cSld>
@@ -1725,7 +1727,7 @@
           <a:p>
             <a:fld id="{8CCA23B4-60B8-465C-B45F-AA27EB463BD9}" type="datetimeFigureOut">
               <a:rPr lang="en-US" smtClean="0"/>
-              <a:t>5/11/2021</a:t>
+              <a:t>7/2/2021</a:t>
             </a:fld>
             <a:endParaRPr lang="en-US"/>
           </a:p>
@@ -1776,7 +1778,7 @@
     </p:spTree>
     <p:extLst>
       <p:ext uri="{BB962C8B-B14F-4D97-AF65-F5344CB8AC3E}">
-        <p14:creationId xmlns:p14="http://schemas.microsoft.com/office/powerpoint/2010/main" val="3151113974"/>
+        <p14:creationId xmlns:p14="http://schemas.microsoft.com/office/powerpoint/2010/main" val="3769646668"/>
       </p:ext>
     </p:extLst>
   </p:cSld>
@@ -1820,7 +1822,7 @@
           <a:p>
             <a:fld id="{8CCA23B4-60B8-465C-B45F-AA27EB463BD9}" type="datetimeFigureOut">
               <a:rPr lang="en-US" smtClean="0"/>
-              <a:t>5/11/2021</a:t>
+              <a:t>7/2/2021</a:t>
             </a:fld>
             <a:endParaRPr lang="en-US"/>
           </a:p>
@@ -1871,7 +1873,7 @@
     </p:spTree>
     <p:extLst>
       <p:ext uri="{BB962C8B-B14F-4D97-AF65-F5344CB8AC3E}">
-        <p14:creationId xmlns:p14="http://schemas.microsoft.com/office/powerpoint/2010/main" val="1229315644"/>
+        <p14:creationId xmlns:p14="http://schemas.microsoft.com/office/powerpoint/2010/main" val="4189866784"/>
       </p:ext>
     </p:extLst>
   </p:cSld>
@@ -1910,15 +1912,15 @@
         </p:nvSpPr>
         <p:spPr>
           <a:xfrm>
-            <a:off x="1763555" y="1706880"/>
-            <a:ext cx="8257698" cy="5974080"/>
+            <a:off x="1385651" y="609600"/>
+            <a:ext cx="6488191" cy="2133600"/>
           </a:xfrm>
         </p:spPr>
         <p:txBody>
           <a:bodyPr anchor="b"/>
           <a:lstStyle>
             <a:lvl1pPr>
-              <a:defRPr sz="8960"/>
+              <a:defRPr sz="4267"/>
             </a:lvl1pPr>
           </a:lstStyle>
           <a:p>
@@ -1942,39 +1944,39 @@
         </p:nvSpPr>
         <p:spPr>
           <a:xfrm>
-            <a:off x="10884695" y="3686392"/>
-            <a:ext cx="12961620" cy="18194867"/>
+            <a:off x="8552260" y="1316567"/>
+            <a:ext cx="10184130" cy="6498167"/>
           </a:xfrm>
         </p:spPr>
         <p:txBody>
           <a:bodyPr/>
           <a:lstStyle>
             <a:lvl1pPr>
-              <a:defRPr sz="8960"/>
+              <a:defRPr sz="4267"/>
             </a:lvl1pPr>
             <a:lvl2pPr>
-              <a:defRPr sz="7840"/>
+              <a:defRPr sz="3733"/>
             </a:lvl2pPr>
             <a:lvl3pPr>
-              <a:defRPr sz="6720"/>
+              <a:defRPr sz="3200"/>
             </a:lvl3pPr>
             <a:lvl4pPr>
-              <a:defRPr sz="5600"/>
+              <a:defRPr sz="2667"/>
             </a:lvl4pPr>
             <a:lvl5pPr>
-              <a:defRPr sz="5600"/>
+              <a:defRPr sz="2667"/>
             </a:lvl5pPr>
             <a:lvl6pPr>
-              <a:defRPr sz="5600"/>
+              <a:defRPr sz="2667"/>
             </a:lvl6pPr>
             <a:lvl7pPr>
-              <a:defRPr sz="5600"/>
+              <a:defRPr sz="2667"/>
             </a:lvl7pPr>
             <a:lvl8pPr>
-              <a:defRPr sz="5600"/>
+              <a:defRPr sz="2667"/>
             </a:lvl8pPr>
             <a:lvl9pPr>
-              <a:defRPr sz="5600"/>
+              <a:defRPr sz="2667"/>
             </a:lvl9pPr>
           </a:lstStyle>
           <a:p>
@@ -2027,8 +2029,8 @@
         </p:nvSpPr>
         <p:spPr>
           <a:xfrm>
-            <a:off x="1763555" y="7680960"/>
-            <a:ext cx="8257698" cy="14229929"/>
+            <a:off x="1385651" y="2743200"/>
+            <a:ext cx="6488191" cy="5082117"/>
           </a:xfrm>
         </p:spPr>
         <p:txBody>
@@ -2036,39 +2038,39 @@
           <a:lstStyle>
             <a:lvl1pPr marL="0" indent="0">
               <a:buNone/>
-              <a:defRPr sz="4480"/>
+              <a:defRPr sz="2133"/>
             </a:lvl1pPr>
-            <a:lvl2pPr marL="1280160" indent="0">
-              <a:buNone/>
-              <a:defRPr sz="3920"/>
+            <a:lvl2pPr marL="609585" indent="0">
+              <a:buNone/>
+              <a:defRPr sz="1867"/>
             </a:lvl2pPr>
-            <a:lvl3pPr marL="2560320" indent="0">
-              <a:buNone/>
-              <a:defRPr sz="3360"/>
+            <a:lvl3pPr marL="1219170" indent="0">
+              <a:buNone/>
+              <a:defRPr sz="1600"/>
             </a:lvl3pPr>
-            <a:lvl4pPr marL="3840480" indent="0">
-              <a:buNone/>
-              <a:defRPr sz="2800"/>
+            <a:lvl4pPr marL="1828754" indent="0">
+              <a:buNone/>
+              <a:defRPr sz="1333"/>
             </a:lvl4pPr>
-            <a:lvl5pPr marL="5120640" indent="0">
-              <a:buNone/>
-              <a:defRPr sz="2800"/>
+            <a:lvl5pPr marL="2438339" indent="0">
+              <a:buNone/>
+              <a:defRPr sz="1333"/>
             </a:lvl5pPr>
-            <a:lvl6pPr marL="6400800" indent="0">
-              <a:buNone/>
-              <a:defRPr sz="2800"/>
+            <a:lvl6pPr marL="3047924" indent="0">
+              <a:buNone/>
+              <a:defRPr sz="1333"/>
             </a:lvl6pPr>
-            <a:lvl7pPr marL="7680960" indent="0">
-              <a:buNone/>
-              <a:defRPr sz="2800"/>
+            <a:lvl7pPr marL="3657509" indent="0">
+              <a:buNone/>
+              <a:defRPr sz="1333"/>
             </a:lvl7pPr>
-            <a:lvl8pPr marL="8961120" indent="0">
-              <a:buNone/>
-              <a:defRPr sz="2800"/>
+            <a:lvl8pPr marL="4267093" indent="0">
+              <a:buNone/>
+              <a:defRPr sz="1333"/>
             </a:lvl8pPr>
-            <a:lvl9pPr marL="10241280" indent="0">
-              <a:buNone/>
-              <a:defRPr sz="2800"/>
+            <a:lvl9pPr marL="4876678" indent="0">
+              <a:buNone/>
+              <a:defRPr sz="1333"/>
             </a:lvl9pPr>
           </a:lstStyle>
           <a:p>
@@ -2097,7 +2099,7 @@
           <a:p>
             <a:fld id="{8CCA23B4-60B8-465C-B45F-AA27EB463BD9}" type="datetimeFigureOut">
               <a:rPr lang="en-US" smtClean="0"/>
-              <a:t>5/11/2021</a:t>
+              <a:t>7/2/2021</a:t>
             </a:fld>
             <a:endParaRPr lang="en-US"/>
           </a:p>
@@ -2148,7 +2150,7 @@
     </p:spTree>
     <p:extLst>
       <p:ext uri="{BB962C8B-B14F-4D97-AF65-F5344CB8AC3E}">
-        <p14:creationId xmlns:p14="http://schemas.microsoft.com/office/powerpoint/2010/main" val="2598043931"/>
+        <p14:creationId xmlns:p14="http://schemas.microsoft.com/office/powerpoint/2010/main" val="2782468231"/>
       </p:ext>
     </p:extLst>
   </p:cSld>
@@ -2187,15 +2189,15 @@
         </p:nvSpPr>
         <p:spPr>
           <a:xfrm>
-            <a:off x="1763555" y="1706880"/>
-            <a:ext cx="8257698" cy="5974080"/>
+            <a:off x="1385651" y="609600"/>
+            <a:ext cx="6488191" cy="2133600"/>
           </a:xfrm>
         </p:spPr>
         <p:txBody>
           <a:bodyPr anchor="b"/>
           <a:lstStyle>
             <a:lvl1pPr>
-              <a:defRPr sz="8960"/>
+              <a:defRPr sz="4267"/>
             </a:lvl1pPr>
           </a:lstStyle>
           <a:p>
@@ -2219,8 +2221,8 @@
         </p:nvSpPr>
         <p:spPr>
           <a:xfrm>
-            <a:off x="10884695" y="3686392"/>
-            <a:ext cx="12961620" cy="18194867"/>
+            <a:off x="8552260" y="1316567"/>
+            <a:ext cx="10184130" cy="6498167"/>
           </a:xfrm>
         </p:spPr>
         <p:txBody>
@@ -2228,39 +2230,39 @@
           <a:lstStyle>
             <a:lvl1pPr marL="0" indent="0">
               <a:buNone/>
-              <a:defRPr sz="8960"/>
+              <a:defRPr sz="4267"/>
             </a:lvl1pPr>
-            <a:lvl2pPr marL="1280160" indent="0">
-              <a:buNone/>
-              <a:defRPr sz="7840"/>
+            <a:lvl2pPr marL="609585" indent="0">
+              <a:buNone/>
+              <a:defRPr sz="3733"/>
             </a:lvl2pPr>
-            <a:lvl3pPr marL="2560320" indent="0">
-              <a:buNone/>
-              <a:defRPr sz="6720"/>
+            <a:lvl3pPr marL="1219170" indent="0">
+              <a:buNone/>
+              <a:defRPr sz="3200"/>
             </a:lvl3pPr>
-            <a:lvl4pPr marL="3840480" indent="0">
-              <a:buNone/>
-              <a:defRPr sz="5600"/>
+            <a:lvl4pPr marL="1828754" indent="0">
+              <a:buNone/>
+              <a:defRPr sz="2667"/>
             </a:lvl4pPr>
-            <a:lvl5pPr marL="5120640" indent="0">
-              <a:buNone/>
-              <a:defRPr sz="5600"/>
+            <a:lvl5pPr marL="2438339" indent="0">
+              <a:buNone/>
+              <a:defRPr sz="2667"/>
             </a:lvl5pPr>
-            <a:lvl6pPr marL="6400800" indent="0">
-              <a:buNone/>
-              <a:defRPr sz="5600"/>
+            <a:lvl6pPr marL="3047924" indent="0">
+              <a:buNone/>
+              <a:defRPr sz="2667"/>
             </a:lvl6pPr>
-            <a:lvl7pPr marL="7680960" indent="0">
-              <a:buNone/>
-              <a:defRPr sz="5600"/>
+            <a:lvl7pPr marL="3657509" indent="0">
+              <a:buNone/>
+              <a:defRPr sz="2667"/>
             </a:lvl7pPr>
-            <a:lvl8pPr marL="8961120" indent="0">
-              <a:buNone/>
-              <a:defRPr sz="5600"/>
+            <a:lvl8pPr marL="4267093" indent="0">
+              <a:buNone/>
+              <a:defRPr sz="2667"/>
             </a:lvl8pPr>
-            <a:lvl9pPr marL="10241280" indent="0">
-              <a:buNone/>
-              <a:defRPr sz="5600"/>
+            <a:lvl9pPr marL="4876678" indent="0">
+              <a:buNone/>
+              <a:defRPr sz="2667"/>
             </a:lvl9pPr>
           </a:lstStyle>
           <a:p>
@@ -2284,8 +2286,8 @@
         </p:nvSpPr>
         <p:spPr>
           <a:xfrm>
-            <a:off x="1763555" y="7680960"/>
-            <a:ext cx="8257698" cy="14229929"/>
+            <a:off x="1385651" y="2743200"/>
+            <a:ext cx="6488191" cy="5082117"/>
           </a:xfrm>
         </p:spPr>
         <p:txBody>
@@ -2293,39 +2295,39 @@
           <a:lstStyle>
             <a:lvl1pPr marL="0" indent="0">
               <a:buNone/>
-              <a:defRPr sz="4480"/>
+              <a:defRPr sz="2133"/>
             </a:lvl1pPr>
-            <a:lvl2pPr marL="1280160" indent="0">
-              <a:buNone/>
-              <a:defRPr sz="3920"/>
+            <a:lvl2pPr marL="609585" indent="0">
+              <a:buNone/>
+              <a:defRPr sz="1867"/>
             </a:lvl2pPr>
-            <a:lvl3pPr marL="2560320" indent="0">
-              <a:buNone/>
-              <a:defRPr sz="3360"/>
+            <a:lvl3pPr marL="1219170" indent="0">
+              <a:buNone/>
+              <a:defRPr sz="1600"/>
             </a:lvl3pPr>
-            <a:lvl4pPr marL="3840480" indent="0">
-              <a:buNone/>
-              <a:defRPr sz="2800"/>
+            <a:lvl4pPr marL="1828754" indent="0">
+              <a:buNone/>
+              <a:defRPr sz="1333"/>
             </a:lvl4pPr>
-            <a:lvl5pPr marL="5120640" indent="0">
-              <a:buNone/>
-              <a:defRPr sz="2800"/>
+            <a:lvl5pPr marL="2438339" indent="0">
+              <a:buNone/>
+              <a:defRPr sz="1333"/>
             </a:lvl5pPr>
-            <a:lvl6pPr marL="6400800" indent="0">
-              <a:buNone/>
-              <a:defRPr sz="2800"/>
+            <a:lvl6pPr marL="3047924" indent="0">
+              <a:buNone/>
+              <a:defRPr sz="1333"/>
             </a:lvl6pPr>
-            <a:lvl7pPr marL="7680960" indent="0">
-              <a:buNone/>
-              <a:defRPr sz="2800"/>
+            <a:lvl7pPr marL="3657509" indent="0">
+              <a:buNone/>
+              <a:defRPr sz="1333"/>
             </a:lvl7pPr>
-            <a:lvl8pPr marL="8961120" indent="0">
-              <a:buNone/>
-              <a:defRPr sz="2800"/>
+            <a:lvl8pPr marL="4267093" indent="0">
+              <a:buNone/>
+              <a:defRPr sz="1333"/>
             </a:lvl8pPr>
-            <a:lvl9pPr marL="10241280" indent="0">
-              <a:buNone/>
-              <a:defRPr sz="2800"/>
+            <a:lvl9pPr marL="4876678" indent="0">
+              <a:buNone/>
+              <a:defRPr sz="1333"/>
             </a:lvl9pPr>
           </a:lstStyle>
           <a:p>
@@ -2354,7 +2356,7 @@
           <a:p>
             <a:fld id="{8CCA23B4-60B8-465C-B45F-AA27EB463BD9}" type="datetimeFigureOut">
               <a:rPr lang="en-US" smtClean="0"/>
-              <a:t>5/11/2021</a:t>
+              <a:t>7/2/2021</a:t>
             </a:fld>
             <a:endParaRPr lang="en-US"/>
           </a:p>
@@ -2405,7 +2407,7 @@
     </p:spTree>
     <p:extLst>
       <p:ext uri="{BB962C8B-B14F-4D97-AF65-F5344CB8AC3E}">
-        <p14:creationId xmlns:p14="http://schemas.microsoft.com/office/powerpoint/2010/main" val="2948542848"/>
+        <p14:creationId xmlns:p14="http://schemas.microsoft.com/office/powerpoint/2010/main" val="4184661957"/>
       </p:ext>
     </p:extLst>
   </p:cSld>
@@ -2449,8 +2451,8 @@
         </p:nvSpPr>
         <p:spPr>
           <a:xfrm>
-            <a:off x="1760220" y="1363139"/>
-            <a:ext cx="22082760" cy="4948769"/>
+            <a:off x="1383030" y="486834"/>
+            <a:ext cx="17350740" cy="1767417"/>
           </a:xfrm>
           <a:prstGeom prst="rect">
             <a:avLst/>
@@ -2482,8 +2484,8 @@
         </p:nvSpPr>
         <p:spPr>
           <a:xfrm>
-            <a:off x="1760220" y="6815667"/>
-            <a:ext cx="22082760" cy="16244995"/>
+            <a:off x="1383030" y="2434167"/>
+            <a:ext cx="17350740" cy="5801784"/>
           </a:xfrm>
           <a:prstGeom prst="rect">
             <a:avLst/>
@@ -2544,8 +2546,8 @@
         </p:nvSpPr>
         <p:spPr>
           <a:xfrm>
-            <a:off x="1760220" y="23730379"/>
-            <a:ext cx="5760720" cy="1363133"/>
+            <a:off x="1383030" y="8475134"/>
+            <a:ext cx="4526280" cy="486833"/>
           </a:xfrm>
           <a:prstGeom prst="rect">
             <a:avLst/>
@@ -2555,7 +2557,7 @@
           <a:bodyPr vert="horz" lIns="91440" tIns="45720" rIns="91440" bIns="45720" rtlCol="0" anchor="ctr"/>
           <a:lstStyle>
             <a:lvl1pPr algn="l">
-              <a:defRPr sz="3360">
+              <a:defRPr sz="1600">
                 <a:solidFill>
                   <a:schemeClr val="tx1">
                     <a:tint val="75000"/>
@@ -2567,7 +2569,7 @@
           <a:p>
             <a:fld id="{8CCA23B4-60B8-465C-B45F-AA27EB463BD9}" type="datetimeFigureOut">
               <a:rPr lang="en-US" smtClean="0"/>
-              <a:t>5/11/2021</a:t>
+              <a:t>7/2/2021</a:t>
             </a:fld>
             <a:endParaRPr lang="en-US"/>
           </a:p>
@@ -2585,8 +2587,8 @@
         </p:nvSpPr>
         <p:spPr>
           <a:xfrm>
-            <a:off x="8481060" y="23730379"/>
-            <a:ext cx="8641080" cy="1363133"/>
+            <a:off x="6663690" y="8475134"/>
+            <a:ext cx="6789420" cy="486833"/>
           </a:xfrm>
           <a:prstGeom prst="rect">
             <a:avLst/>
@@ -2596,7 +2598,7 @@
           <a:bodyPr vert="horz" lIns="91440" tIns="45720" rIns="91440" bIns="45720" rtlCol="0" anchor="ctr"/>
           <a:lstStyle>
             <a:lvl1pPr algn="ctr">
-              <a:defRPr sz="3360">
+              <a:defRPr sz="1600">
                 <a:solidFill>
                   <a:schemeClr val="tx1">
                     <a:tint val="75000"/>
@@ -2622,8 +2624,8 @@
         </p:nvSpPr>
         <p:spPr>
           <a:xfrm>
-            <a:off x="18082260" y="23730379"/>
-            <a:ext cx="5760720" cy="1363133"/>
+            <a:off x="14207490" y="8475134"/>
+            <a:ext cx="4526280" cy="486833"/>
           </a:xfrm>
           <a:prstGeom prst="rect">
             <a:avLst/>
@@ -2633,7 +2635,7 @@
           <a:bodyPr vert="horz" lIns="91440" tIns="45720" rIns="91440" bIns="45720" rtlCol="0" anchor="ctr"/>
           <a:lstStyle>
             <a:lvl1pPr algn="r">
-              <a:defRPr sz="3360">
+              <a:defRPr sz="1600">
                 <a:solidFill>
                   <a:schemeClr val="tx1">
                     <a:tint val="75000"/>
@@ -2654,27 +2656,27 @@
     </p:spTree>
     <p:extLst>
       <p:ext uri="{BB962C8B-B14F-4D97-AF65-F5344CB8AC3E}">
-        <p14:creationId xmlns:p14="http://schemas.microsoft.com/office/powerpoint/2010/main" val="3659567922"/>
+        <p14:creationId xmlns:p14="http://schemas.microsoft.com/office/powerpoint/2010/main" val="3206512682"/>
       </p:ext>
     </p:extLst>
   </p:cSld>
   <p:clrMap bg1="lt1" tx1="dk1" bg2="lt2" tx2="dk2" accent1="accent1" accent2="accent2" accent3="accent3" accent4="accent4" accent5="accent5" accent6="accent6" hlink="hlink" folHlink="folHlink"/>
   <p:sldLayoutIdLst>
-    <p:sldLayoutId id="2147483721" r:id="rId1"/>
-    <p:sldLayoutId id="2147483722" r:id="rId2"/>
-    <p:sldLayoutId id="2147483723" r:id="rId3"/>
-    <p:sldLayoutId id="2147483724" r:id="rId4"/>
-    <p:sldLayoutId id="2147483725" r:id="rId5"/>
-    <p:sldLayoutId id="2147483726" r:id="rId6"/>
-    <p:sldLayoutId id="2147483727" r:id="rId7"/>
-    <p:sldLayoutId id="2147483728" r:id="rId8"/>
-    <p:sldLayoutId id="2147483729" r:id="rId9"/>
-    <p:sldLayoutId id="2147483730" r:id="rId10"/>
-    <p:sldLayoutId id="2147483731" r:id="rId11"/>
+    <p:sldLayoutId id="2147483745" r:id="rId1"/>
+    <p:sldLayoutId id="2147483746" r:id="rId2"/>
+    <p:sldLayoutId id="2147483747" r:id="rId3"/>
+    <p:sldLayoutId id="2147483748" r:id="rId4"/>
+    <p:sldLayoutId id="2147483749" r:id="rId5"/>
+    <p:sldLayoutId id="2147483750" r:id="rId6"/>
+    <p:sldLayoutId id="2147483751" r:id="rId7"/>
+    <p:sldLayoutId id="2147483752" r:id="rId8"/>
+    <p:sldLayoutId id="2147483753" r:id="rId9"/>
+    <p:sldLayoutId id="2147483754" r:id="rId10"/>
+    <p:sldLayoutId id="2147483755" r:id="rId11"/>
   </p:sldLayoutIdLst>
   <p:txStyles>
     <p:titleStyle>
-      <a:lvl1pPr algn="l" defTabSz="2560320" rtl="0" eaLnBrk="1" latinLnBrk="0" hangingPunct="1">
+      <a:lvl1pPr algn="l" defTabSz="1219170" rtl="0" eaLnBrk="1" latinLnBrk="0" hangingPunct="1">
         <a:lnSpc>
           <a:spcPct val="90000"/>
         </a:lnSpc>
@@ -2682,7 +2684,7 @@
           <a:spcPct val="0"/>
         </a:spcBef>
         <a:buNone/>
-        <a:defRPr sz="12320" kern="1200">
+        <a:defRPr sz="5867" kern="1200">
           <a:solidFill>
             <a:schemeClr val="tx1"/>
           </a:solidFill>
@@ -2693,16 +2695,16 @@
       </a:lvl1pPr>
     </p:titleStyle>
     <p:bodyStyle>
-      <a:lvl1pPr marL="640080" indent="-640080" algn="l" defTabSz="2560320" rtl="0" eaLnBrk="1" latinLnBrk="0" hangingPunct="1">
+      <a:lvl1pPr marL="304792" indent="-304792" algn="l" defTabSz="1219170" rtl="0" eaLnBrk="1" latinLnBrk="0" hangingPunct="1">
         <a:lnSpc>
           <a:spcPct val="90000"/>
         </a:lnSpc>
         <a:spcBef>
-          <a:spcPts val="2800"/>
+          <a:spcPts val="1333"/>
         </a:spcBef>
         <a:buFont typeface="Arial" panose="020B0604020202020204" pitchFamily="34" charset="0"/>
         <a:buChar char="•"/>
-        <a:defRPr sz="7840" kern="1200">
+        <a:defRPr sz="3733" kern="1200">
           <a:solidFill>
             <a:schemeClr val="tx1"/>
           </a:solidFill>
@@ -2711,16 +2713,16 @@
           <a:cs typeface="+mn-cs"/>
         </a:defRPr>
       </a:lvl1pPr>
-      <a:lvl2pPr marL="1920240" indent="-640080" algn="l" defTabSz="2560320" rtl="0" eaLnBrk="1" latinLnBrk="0" hangingPunct="1">
+      <a:lvl2pPr marL="914377" indent="-304792" algn="l" defTabSz="1219170" rtl="0" eaLnBrk="1" latinLnBrk="0" hangingPunct="1">
         <a:lnSpc>
           <a:spcPct val="90000"/>
         </a:lnSpc>
         <a:spcBef>
-          <a:spcPts val="1400"/>
+          <a:spcPts val="667"/>
         </a:spcBef>
         <a:buFont typeface="Arial" panose="020B0604020202020204" pitchFamily="34" charset="0"/>
         <a:buChar char="•"/>
-        <a:defRPr sz="6720" kern="1200">
+        <a:defRPr sz="3200" kern="1200">
           <a:solidFill>
             <a:schemeClr val="tx1"/>
           </a:solidFill>
@@ -2729,16 +2731,16 @@
           <a:cs typeface="+mn-cs"/>
         </a:defRPr>
       </a:lvl2pPr>
-      <a:lvl3pPr marL="3200400" indent="-640080" algn="l" defTabSz="2560320" rtl="0" eaLnBrk="1" latinLnBrk="0" hangingPunct="1">
+      <a:lvl3pPr marL="1523962" indent="-304792" algn="l" defTabSz="1219170" rtl="0" eaLnBrk="1" latinLnBrk="0" hangingPunct="1">
         <a:lnSpc>
           <a:spcPct val="90000"/>
         </a:lnSpc>
         <a:spcBef>
-          <a:spcPts val="1400"/>
+          <a:spcPts val="667"/>
         </a:spcBef>
         <a:buFont typeface="Arial" panose="020B0604020202020204" pitchFamily="34" charset="0"/>
         <a:buChar char="•"/>
-        <a:defRPr sz="5600" kern="1200">
+        <a:defRPr sz="2667" kern="1200">
           <a:solidFill>
             <a:schemeClr val="tx1"/>
           </a:solidFill>
@@ -2747,16 +2749,16 @@
           <a:cs typeface="+mn-cs"/>
         </a:defRPr>
       </a:lvl3pPr>
-      <a:lvl4pPr marL="4480560" indent="-640080" algn="l" defTabSz="2560320" rtl="0" eaLnBrk="1" latinLnBrk="0" hangingPunct="1">
+      <a:lvl4pPr marL="2133547" indent="-304792" algn="l" defTabSz="1219170" rtl="0" eaLnBrk="1" latinLnBrk="0" hangingPunct="1">
         <a:lnSpc>
           <a:spcPct val="90000"/>
         </a:lnSpc>
         <a:spcBef>
-          <a:spcPts val="1400"/>
+          <a:spcPts val="667"/>
         </a:spcBef>
         <a:buFont typeface="Arial" panose="020B0604020202020204" pitchFamily="34" charset="0"/>
         <a:buChar char="•"/>
-        <a:defRPr sz="5040" kern="1200">
+        <a:defRPr sz="2400" kern="1200">
           <a:solidFill>
             <a:schemeClr val="tx1"/>
           </a:solidFill>
@@ -2765,16 +2767,16 @@
           <a:cs typeface="+mn-cs"/>
         </a:defRPr>
       </a:lvl4pPr>
-      <a:lvl5pPr marL="5760720" indent="-640080" algn="l" defTabSz="2560320" rtl="0" eaLnBrk="1" latinLnBrk="0" hangingPunct="1">
+      <a:lvl5pPr marL="2743131" indent="-304792" algn="l" defTabSz="1219170" rtl="0" eaLnBrk="1" latinLnBrk="0" hangingPunct="1">
         <a:lnSpc>
           <a:spcPct val="90000"/>
         </a:lnSpc>
         <a:spcBef>
-          <a:spcPts val="1400"/>
+          <a:spcPts val="667"/>
         </a:spcBef>
         <a:buFont typeface="Arial" panose="020B0604020202020204" pitchFamily="34" charset="0"/>
         <a:buChar char="•"/>
-        <a:defRPr sz="5040" kern="1200">
+        <a:defRPr sz="2400" kern="1200">
           <a:solidFill>
             <a:schemeClr val="tx1"/>
           </a:solidFill>
@@ -2783,16 +2785,16 @@
           <a:cs typeface="+mn-cs"/>
         </a:defRPr>
       </a:lvl5pPr>
-      <a:lvl6pPr marL="7040880" indent="-640080" algn="l" defTabSz="2560320" rtl="0" eaLnBrk="1" latinLnBrk="0" hangingPunct="1">
+      <a:lvl6pPr marL="3352716" indent="-304792" algn="l" defTabSz="1219170" rtl="0" eaLnBrk="1" latinLnBrk="0" hangingPunct="1">
         <a:lnSpc>
           <a:spcPct val="90000"/>
         </a:lnSpc>
         <a:spcBef>
-          <a:spcPts val="1400"/>
+          <a:spcPts val="667"/>
         </a:spcBef>
         <a:buFont typeface="Arial" panose="020B0604020202020204" pitchFamily="34" charset="0"/>
         <a:buChar char="•"/>
-        <a:defRPr sz="5040" kern="1200">
+        <a:defRPr sz="2400" kern="1200">
           <a:solidFill>
             <a:schemeClr val="tx1"/>
           </a:solidFill>
@@ -2801,16 +2803,16 @@
           <a:cs typeface="+mn-cs"/>
         </a:defRPr>
       </a:lvl6pPr>
-      <a:lvl7pPr marL="8321040" indent="-640080" algn="l" defTabSz="2560320" rtl="0" eaLnBrk="1" latinLnBrk="0" hangingPunct="1">
+      <a:lvl7pPr marL="3962301" indent="-304792" algn="l" defTabSz="1219170" rtl="0" eaLnBrk="1" latinLnBrk="0" hangingPunct="1">
         <a:lnSpc>
           <a:spcPct val="90000"/>
         </a:lnSpc>
         <a:spcBef>
-          <a:spcPts val="1400"/>
+          <a:spcPts val="667"/>
         </a:spcBef>
         <a:buFont typeface="Arial" panose="020B0604020202020204" pitchFamily="34" charset="0"/>
         <a:buChar char="•"/>
-        <a:defRPr sz="5040" kern="1200">
+        <a:defRPr sz="2400" kern="1200">
           <a:solidFill>
             <a:schemeClr val="tx1"/>
           </a:solidFill>
@@ -2819,16 +2821,16 @@
           <a:cs typeface="+mn-cs"/>
         </a:defRPr>
       </a:lvl7pPr>
-      <a:lvl8pPr marL="9601200" indent="-640080" algn="l" defTabSz="2560320" rtl="0" eaLnBrk="1" latinLnBrk="0" hangingPunct="1">
+      <a:lvl8pPr marL="4571886" indent="-304792" algn="l" defTabSz="1219170" rtl="0" eaLnBrk="1" latinLnBrk="0" hangingPunct="1">
         <a:lnSpc>
           <a:spcPct val="90000"/>
         </a:lnSpc>
         <a:spcBef>
-          <a:spcPts val="1400"/>
+          <a:spcPts val="667"/>
         </a:spcBef>
         <a:buFont typeface="Arial" panose="020B0604020202020204" pitchFamily="34" charset="0"/>
         <a:buChar char="•"/>
-        <a:defRPr sz="5040" kern="1200">
+        <a:defRPr sz="2400" kern="1200">
           <a:solidFill>
             <a:schemeClr val="tx1"/>
           </a:solidFill>
@@ -2837,16 +2839,16 @@
           <a:cs typeface="+mn-cs"/>
         </a:defRPr>
       </a:lvl8pPr>
-      <a:lvl9pPr marL="10881360" indent="-640080" algn="l" defTabSz="2560320" rtl="0" eaLnBrk="1" latinLnBrk="0" hangingPunct="1">
+      <a:lvl9pPr marL="5181470" indent="-304792" algn="l" defTabSz="1219170" rtl="0" eaLnBrk="1" latinLnBrk="0" hangingPunct="1">
         <a:lnSpc>
           <a:spcPct val="90000"/>
         </a:lnSpc>
         <a:spcBef>
-          <a:spcPts val="1400"/>
+          <a:spcPts val="667"/>
         </a:spcBef>
         <a:buFont typeface="Arial" panose="020B0604020202020204" pitchFamily="34" charset="0"/>
         <a:buChar char="•"/>
-        <a:defRPr sz="5040" kern="1200">
+        <a:defRPr sz="2400" kern="1200">
           <a:solidFill>
             <a:schemeClr val="tx1"/>
           </a:solidFill>
@@ -2860,8 +2862,8 @@
       <a:defPPr>
         <a:defRPr lang="en-US"/>
       </a:defPPr>
-      <a:lvl1pPr marL="0" algn="l" defTabSz="2560320" rtl="0" eaLnBrk="1" latinLnBrk="0" hangingPunct="1">
-        <a:defRPr sz="5040" kern="1200">
+      <a:lvl1pPr marL="0" algn="l" defTabSz="1219170" rtl="0" eaLnBrk="1" latinLnBrk="0" hangingPunct="1">
+        <a:defRPr sz="2400" kern="1200">
           <a:solidFill>
             <a:schemeClr val="tx1"/>
           </a:solidFill>
@@ -2870,8 +2872,8 @@
           <a:cs typeface="+mn-cs"/>
         </a:defRPr>
       </a:lvl1pPr>
-      <a:lvl2pPr marL="1280160" algn="l" defTabSz="2560320" rtl="0" eaLnBrk="1" latinLnBrk="0" hangingPunct="1">
-        <a:defRPr sz="5040" kern="1200">
+      <a:lvl2pPr marL="609585" algn="l" defTabSz="1219170" rtl="0" eaLnBrk="1" latinLnBrk="0" hangingPunct="1">
+        <a:defRPr sz="2400" kern="1200">
           <a:solidFill>
             <a:schemeClr val="tx1"/>
           </a:solidFill>
@@ -2880,8 +2882,8 @@
           <a:cs typeface="+mn-cs"/>
         </a:defRPr>
       </a:lvl2pPr>
-      <a:lvl3pPr marL="2560320" algn="l" defTabSz="2560320" rtl="0" eaLnBrk="1" latinLnBrk="0" hangingPunct="1">
-        <a:defRPr sz="5040" kern="1200">
+      <a:lvl3pPr marL="1219170" algn="l" defTabSz="1219170" rtl="0" eaLnBrk="1" latinLnBrk="0" hangingPunct="1">
+        <a:defRPr sz="2400" kern="1200">
           <a:solidFill>
             <a:schemeClr val="tx1"/>
           </a:solidFill>
@@ -2890,8 +2892,8 @@
           <a:cs typeface="+mn-cs"/>
         </a:defRPr>
       </a:lvl3pPr>
-      <a:lvl4pPr marL="3840480" algn="l" defTabSz="2560320" rtl="0" eaLnBrk="1" latinLnBrk="0" hangingPunct="1">
-        <a:defRPr sz="5040" kern="1200">
+      <a:lvl4pPr marL="1828754" algn="l" defTabSz="1219170" rtl="0" eaLnBrk="1" latinLnBrk="0" hangingPunct="1">
+        <a:defRPr sz="2400" kern="1200">
           <a:solidFill>
             <a:schemeClr val="tx1"/>
           </a:solidFill>
@@ -2900,8 +2902,8 @@
           <a:cs typeface="+mn-cs"/>
         </a:defRPr>
       </a:lvl4pPr>
-      <a:lvl5pPr marL="5120640" algn="l" defTabSz="2560320" rtl="0" eaLnBrk="1" latinLnBrk="0" hangingPunct="1">
-        <a:defRPr sz="5040" kern="1200">
+      <a:lvl5pPr marL="2438339" algn="l" defTabSz="1219170" rtl="0" eaLnBrk="1" latinLnBrk="0" hangingPunct="1">
+        <a:defRPr sz="2400" kern="1200">
           <a:solidFill>
             <a:schemeClr val="tx1"/>
           </a:solidFill>
@@ -2910,8 +2912,8 @@
           <a:cs typeface="+mn-cs"/>
         </a:defRPr>
       </a:lvl5pPr>
-      <a:lvl6pPr marL="6400800" algn="l" defTabSz="2560320" rtl="0" eaLnBrk="1" latinLnBrk="0" hangingPunct="1">
-        <a:defRPr sz="5040" kern="1200">
+      <a:lvl6pPr marL="3047924" algn="l" defTabSz="1219170" rtl="0" eaLnBrk="1" latinLnBrk="0" hangingPunct="1">
+        <a:defRPr sz="2400" kern="1200">
           <a:solidFill>
             <a:schemeClr val="tx1"/>
           </a:solidFill>
@@ -2920,8 +2922,8 @@
           <a:cs typeface="+mn-cs"/>
         </a:defRPr>
       </a:lvl6pPr>
-      <a:lvl7pPr marL="7680960" algn="l" defTabSz="2560320" rtl="0" eaLnBrk="1" latinLnBrk="0" hangingPunct="1">
-        <a:defRPr sz="5040" kern="1200">
+      <a:lvl7pPr marL="3657509" algn="l" defTabSz="1219170" rtl="0" eaLnBrk="1" latinLnBrk="0" hangingPunct="1">
+        <a:defRPr sz="2400" kern="1200">
           <a:solidFill>
             <a:schemeClr val="tx1"/>
           </a:solidFill>
@@ -2930,8 +2932,8 @@
           <a:cs typeface="+mn-cs"/>
         </a:defRPr>
       </a:lvl7pPr>
-      <a:lvl8pPr marL="8961120" algn="l" defTabSz="2560320" rtl="0" eaLnBrk="1" latinLnBrk="0" hangingPunct="1">
-        <a:defRPr sz="5040" kern="1200">
+      <a:lvl8pPr marL="4267093" algn="l" defTabSz="1219170" rtl="0" eaLnBrk="1" latinLnBrk="0" hangingPunct="1">
+        <a:defRPr sz="2400" kern="1200">
           <a:solidFill>
             <a:schemeClr val="tx1"/>
           </a:solidFill>
@@ -2940,8 +2942,8 @@
           <a:cs typeface="+mn-cs"/>
         </a:defRPr>
       </a:lvl8pPr>
-      <a:lvl9pPr marL="10241280" algn="l" defTabSz="2560320" rtl="0" eaLnBrk="1" latinLnBrk="0" hangingPunct="1">
-        <a:defRPr sz="5040" kern="1200">
+      <a:lvl9pPr marL="4876678" algn="l" defTabSz="1219170" rtl="0" eaLnBrk="1" latinLnBrk="0" hangingPunct="1">
+        <a:defRPr sz="2400" kern="1200">
           <a:solidFill>
             <a:schemeClr val="tx1"/>
           </a:solidFill>
@@ -2994,7 +2996,7 @@
         </p:blipFill>
         <p:spPr>
           <a:xfrm>
-            <a:off x="446049" y="1096508"/>
+            <a:off x="-2297151" y="-7133092"/>
             <a:ext cx="25012772" cy="23157153"/>
           </a:xfrm>
           <a:prstGeom prst="rect">
@@ -3016,7 +3018,7 @@
         </p:nvGrpSpPr>
         <p:grpSpPr>
           <a:xfrm>
-            <a:off x="2371304" y="1592379"/>
+            <a:off x="-371896" y="-6637221"/>
             <a:ext cx="12988770" cy="21165946"/>
             <a:chOff x="2371304" y="-5265622"/>
             <a:chExt cx="12988770" cy="20259073"/>
@@ -3237,10 +3239,10 @@
       </p:grpSpPr>
       <p:pic>
         <p:nvPicPr>
-          <p:cNvPr id="21" name="Picture 20">
+          <p:cNvPr id="14" name="Picture 13">
             <a:extLst>
               <a:ext uri="{FF2B5EF4-FFF2-40B4-BE49-F238E27FC236}">
-                <a16:creationId xmlns:a16="http://schemas.microsoft.com/office/drawing/2014/main" id="{6EA70FFF-E008-43F4-871D-69C914C31B29}"/>
+                <a16:creationId xmlns:a16="http://schemas.microsoft.com/office/drawing/2014/main" id="{A4B077D5-4C6C-4A98-AED8-0E79132F5782}"/>
               </a:ext>
             </a:extLst>
           </p:cNvPr>
@@ -3257,37 +3259,8 @@
         </p:blipFill>
         <p:spPr>
           <a:xfrm>
-            <a:off x="3584010" y="7772400"/>
-            <a:ext cx="9468605" cy="10058400"/>
-          </a:xfrm>
-          <a:prstGeom prst="rect">
-            <a:avLst/>
-          </a:prstGeom>
-        </p:spPr>
-      </p:pic>
-      <p:pic>
-        <p:nvPicPr>
-          <p:cNvPr id="25" name="Picture 24">
-            <a:extLst>
-              <a:ext uri="{FF2B5EF4-FFF2-40B4-BE49-F238E27FC236}">
-                <a16:creationId xmlns:a16="http://schemas.microsoft.com/office/drawing/2014/main" id="{E8D8C6A7-BAF4-49A3-ACDF-8E9A00F42785}"/>
-              </a:ext>
-            </a:extLst>
-          </p:cNvPr>
-          <p:cNvPicPr>
-            <a:picLocks noChangeAspect="1"/>
-          </p:cNvPicPr>
-          <p:nvPr/>
-        </p:nvPicPr>
-        <p:blipFill rotWithShape="1">
-          <a:blip r:embed="rId3"/>
-          <a:srcRect l="4074"/>
-          <a:stretch/>
-        </p:blipFill>
-        <p:spPr>
-          <a:xfrm>
-            <a:off x="12003465" y="7772400"/>
-            <a:ext cx="9082846" cy="10058400"/>
+            <a:off x="542865" y="-457200"/>
+            <a:ext cx="10455461" cy="10149840"/>
           </a:xfrm>
           <a:prstGeom prst="rect">
             <a:avLst/>
@@ -3309,14 +3282,80 @@
           <p:nvPr/>
         </p:nvPicPr>
         <p:blipFill rotWithShape="1">
-          <a:blip r:embed="rId4"/>
+          <a:blip r:embed="rId3"/>
           <a:srcRect t="16052" r="7520"/>
           <a:stretch/>
         </p:blipFill>
         <p:spPr>
           <a:xfrm>
-            <a:off x="4516890" y="13481983"/>
+            <a:off x="1576832" y="5252384"/>
             <a:ext cx="3262769" cy="3204979"/>
+          </a:xfrm>
+          <a:prstGeom prst="rect">
+            <a:avLst/>
+          </a:prstGeom>
+        </p:spPr>
+      </p:pic>
+      <p:sp>
+        <p:nvSpPr>
+          <p:cNvPr id="26" name="TextBox 25">
+            <a:extLst>
+              <a:ext uri="{FF2B5EF4-FFF2-40B4-BE49-F238E27FC236}">
+                <a16:creationId xmlns:a16="http://schemas.microsoft.com/office/drawing/2014/main" id="{130F62BE-96C9-4DD4-A49E-23CC419776BA}"/>
+              </a:ext>
+            </a:extLst>
+          </p:cNvPr>
+          <p:cNvSpPr txBox="1"/>
+          <p:nvPr/>
+        </p:nvSpPr>
+        <p:spPr>
+          <a:xfrm>
+            <a:off x="1576830" y="396240"/>
+            <a:ext cx="801872" cy="523220"/>
+          </a:xfrm>
+          <a:prstGeom prst="rect">
+            <a:avLst/>
+          </a:prstGeom>
+          <a:noFill/>
+        </p:spPr>
+        <p:txBody>
+          <a:bodyPr wrap="square" rtlCol="0">
+            <a:spAutoFit/>
+          </a:bodyPr>
+          <a:lstStyle/>
+          <a:p>
+            <a:r>
+              <a:rPr lang="en-US" sz="2800" dirty="0">
+                <a:latin typeface="Manrope Medium" pitchFamily="2" charset="0"/>
+              </a:rPr>
+              <a:t>(A)</a:t>
+            </a:r>
+          </a:p>
+        </p:txBody>
+      </p:sp>
+      <p:pic>
+        <p:nvPicPr>
+          <p:cNvPr id="6" name="Picture 5">
+            <a:extLst>
+              <a:ext uri="{FF2B5EF4-FFF2-40B4-BE49-F238E27FC236}">
+                <a16:creationId xmlns:a16="http://schemas.microsoft.com/office/drawing/2014/main" id="{193C72FF-F777-412F-89F6-D4F31A3C362F}"/>
+              </a:ext>
+            </a:extLst>
+          </p:cNvPr>
+          <p:cNvPicPr>
+            <a:picLocks noChangeAspect="1"/>
+          </p:cNvPicPr>
+          <p:nvPr/>
+        </p:nvPicPr>
+        <p:blipFill rotWithShape="1">
+          <a:blip r:embed="rId4"/>
+          <a:srcRect l="6414"/>
+          <a:stretch/>
+        </p:blipFill>
+        <p:spPr>
+          <a:xfrm>
+            <a:off x="10277212" y="-480060"/>
+            <a:ext cx="9828977" cy="10195560"/>
           </a:xfrm>
           <a:prstGeom prst="rect">
             <a:avLst/>
@@ -3344,7 +3383,7 @@
         </p:blipFill>
         <p:spPr>
           <a:xfrm>
-            <a:off x="12801603" y="13481982"/>
+            <a:off x="10690734" y="5252384"/>
             <a:ext cx="3241014" cy="3204979"/>
           </a:xfrm>
           <a:prstGeom prst="rect">
@@ -3352,43 +3391,6 @@
           </a:prstGeom>
         </p:spPr>
       </p:pic>
-      <p:sp>
-        <p:nvSpPr>
-          <p:cNvPr id="26" name="TextBox 25">
-            <a:extLst>
-              <a:ext uri="{FF2B5EF4-FFF2-40B4-BE49-F238E27FC236}">
-                <a16:creationId xmlns:a16="http://schemas.microsoft.com/office/drawing/2014/main" id="{130F62BE-96C9-4DD4-A49E-23CC419776BA}"/>
-              </a:ext>
-            </a:extLst>
-          </p:cNvPr>
-          <p:cNvSpPr txBox="1"/>
-          <p:nvPr/>
-        </p:nvSpPr>
-        <p:spPr>
-          <a:xfrm>
-            <a:off x="4617976" y="8625840"/>
-            <a:ext cx="801872" cy="523220"/>
-          </a:xfrm>
-          <a:prstGeom prst="rect">
-            <a:avLst/>
-          </a:prstGeom>
-          <a:noFill/>
-        </p:spPr>
-        <p:txBody>
-          <a:bodyPr wrap="square" rtlCol="0">
-            <a:spAutoFit/>
-          </a:bodyPr>
-          <a:lstStyle/>
-          <a:p>
-            <a:r>
-              <a:rPr lang="en-US" sz="2800" dirty="0">
-                <a:latin typeface="Manrope Medium" pitchFamily="2" charset="0"/>
-              </a:rPr>
-              <a:t>(A)</a:t>
-            </a:r>
-          </a:p>
-        </p:txBody>
-      </p:sp>
       <p:sp>
         <p:nvSpPr>
           <p:cNvPr id="27" name="TextBox 26">
@@ -3403,7 +3405,7 @@
         </p:nvSpPr>
         <p:spPr>
           <a:xfrm>
-            <a:off x="12651676" y="8625840"/>
+            <a:off x="10695618" y="396240"/>
             <a:ext cx="801872" cy="523220"/>
           </a:xfrm>
           <a:prstGeom prst="rect">

--- a/Map formatting.pptx
+++ b/Map formatting.pptx
@@ -6,7 +6,6 @@
   </p:sldMasterIdLst>
   <p:sldIdLst>
     <p:sldId id="257" r:id="rId2"/>
-    <p:sldId id="256" r:id="rId3"/>
   </p:sldIdLst>
   <p:sldSz cx="20116800" cy="9144000"/>
   <p:notesSz cx="6858000" cy="9144000"/>
@@ -244,7 +243,7 @@
           <a:p>
             <a:fld id="{8CCA23B4-60B8-465C-B45F-AA27EB463BD9}" type="datetimeFigureOut">
               <a:rPr lang="en-US" smtClean="0"/>
-              <a:t>7/2/2021</a:t>
+              <a:t>2/6/2022</a:t>
             </a:fld>
             <a:endParaRPr lang="en-US"/>
           </a:p>
@@ -414,7 +413,7 @@
           <a:p>
             <a:fld id="{8CCA23B4-60B8-465C-B45F-AA27EB463BD9}" type="datetimeFigureOut">
               <a:rPr lang="en-US" smtClean="0"/>
-              <a:t>7/2/2021</a:t>
+              <a:t>2/6/2022</a:t>
             </a:fld>
             <a:endParaRPr lang="en-US"/>
           </a:p>
@@ -594,7 +593,7 @@
           <a:p>
             <a:fld id="{8CCA23B4-60B8-465C-B45F-AA27EB463BD9}" type="datetimeFigureOut">
               <a:rPr lang="en-US" smtClean="0"/>
-              <a:t>7/2/2021</a:t>
+              <a:t>2/6/2022</a:t>
             </a:fld>
             <a:endParaRPr lang="en-US"/>
           </a:p>
@@ -764,7 +763,7 @@
           <a:p>
             <a:fld id="{8CCA23B4-60B8-465C-B45F-AA27EB463BD9}" type="datetimeFigureOut">
               <a:rPr lang="en-US" smtClean="0"/>
-              <a:t>7/2/2021</a:t>
+              <a:t>2/6/2022</a:t>
             </a:fld>
             <a:endParaRPr lang="en-US"/>
           </a:p>
@@ -1010,7 +1009,7 @@
           <a:p>
             <a:fld id="{8CCA23B4-60B8-465C-B45F-AA27EB463BD9}" type="datetimeFigureOut">
               <a:rPr lang="en-US" smtClean="0"/>
-              <a:t>7/2/2021</a:t>
+              <a:t>2/6/2022</a:t>
             </a:fld>
             <a:endParaRPr lang="en-US"/>
           </a:p>
@@ -1242,7 +1241,7 @@
           <a:p>
             <a:fld id="{8CCA23B4-60B8-465C-B45F-AA27EB463BD9}" type="datetimeFigureOut">
               <a:rPr lang="en-US" smtClean="0"/>
-              <a:t>7/2/2021</a:t>
+              <a:t>2/6/2022</a:t>
             </a:fld>
             <a:endParaRPr lang="en-US"/>
           </a:p>
@@ -1609,7 +1608,7 @@
           <a:p>
             <a:fld id="{8CCA23B4-60B8-465C-B45F-AA27EB463BD9}" type="datetimeFigureOut">
               <a:rPr lang="en-US" smtClean="0"/>
-              <a:t>7/2/2021</a:t>
+              <a:t>2/6/2022</a:t>
             </a:fld>
             <a:endParaRPr lang="en-US"/>
           </a:p>
@@ -1727,7 +1726,7 @@
           <a:p>
             <a:fld id="{8CCA23B4-60B8-465C-B45F-AA27EB463BD9}" type="datetimeFigureOut">
               <a:rPr lang="en-US" smtClean="0"/>
-              <a:t>7/2/2021</a:t>
+              <a:t>2/6/2022</a:t>
             </a:fld>
             <a:endParaRPr lang="en-US"/>
           </a:p>
@@ -1822,7 +1821,7 @@
           <a:p>
             <a:fld id="{8CCA23B4-60B8-465C-B45F-AA27EB463BD9}" type="datetimeFigureOut">
               <a:rPr lang="en-US" smtClean="0"/>
-              <a:t>7/2/2021</a:t>
+              <a:t>2/6/2022</a:t>
             </a:fld>
             <a:endParaRPr lang="en-US"/>
           </a:p>
@@ -2099,7 +2098,7 @@
           <a:p>
             <a:fld id="{8CCA23B4-60B8-465C-B45F-AA27EB463BD9}" type="datetimeFigureOut">
               <a:rPr lang="en-US" smtClean="0"/>
-              <a:t>7/2/2021</a:t>
+              <a:t>2/6/2022</a:t>
             </a:fld>
             <a:endParaRPr lang="en-US"/>
           </a:p>
@@ -2356,7 +2355,7 @@
           <a:p>
             <a:fld id="{8CCA23B4-60B8-465C-B45F-AA27EB463BD9}" type="datetimeFigureOut">
               <a:rPr lang="en-US" smtClean="0"/>
-              <a:t>7/2/2021</a:t>
+              <a:t>2/6/2022</a:t>
             </a:fld>
             <a:endParaRPr lang="en-US"/>
           </a:p>
@@ -2569,7 +2568,7 @@
           <a:p>
             <a:fld id="{8CCA23B4-60B8-465C-B45F-AA27EB463BD9}" type="datetimeFigureOut">
               <a:rPr lang="en-US" smtClean="0"/>
-              <a:t>7/2/2021</a:t>
+              <a:t>2/6/2022</a:t>
             </a:fld>
             <a:endParaRPr lang="en-US"/>
           </a:p>
@@ -3220,227 +3219,6 @@
 </p:sld>
 </file>
 
-<file path=ppt/slides/slide2.xml><?xml version="1.0" encoding="utf-8"?>
-<p:sld xmlns:a="http://schemas.openxmlformats.org/drawingml/2006/main" xmlns:r="http://schemas.openxmlformats.org/officeDocument/2006/relationships" xmlns:p="http://schemas.openxmlformats.org/presentationml/2006/main">
-  <p:cSld>
-    <p:spTree>
-      <p:nvGrpSpPr>
-        <p:cNvPr id="1" name=""/>
-        <p:cNvGrpSpPr/>
-        <p:nvPr/>
-      </p:nvGrpSpPr>
-      <p:grpSpPr>
-        <a:xfrm>
-          <a:off x="0" y="0"/>
-          <a:ext cx="0" cy="0"/>
-          <a:chOff x="0" y="0"/>
-          <a:chExt cx="0" cy="0"/>
-        </a:xfrm>
-      </p:grpSpPr>
-      <p:pic>
-        <p:nvPicPr>
-          <p:cNvPr id="14" name="Picture 13">
-            <a:extLst>
-              <a:ext uri="{FF2B5EF4-FFF2-40B4-BE49-F238E27FC236}">
-                <a16:creationId xmlns:a16="http://schemas.microsoft.com/office/drawing/2014/main" id="{A4B077D5-4C6C-4A98-AED8-0E79132F5782}"/>
-              </a:ext>
-            </a:extLst>
-          </p:cNvPr>
-          <p:cNvPicPr>
-            <a:picLocks noChangeAspect="1"/>
-          </p:cNvPicPr>
-          <p:nvPr/>
-        </p:nvPicPr>
-        <p:blipFill>
-          <a:blip r:embed="rId2"/>
-          <a:stretch>
-            <a:fillRect/>
-          </a:stretch>
-        </p:blipFill>
-        <p:spPr>
-          <a:xfrm>
-            <a:off x="542865" y="-457200"/>
-            <a:ext cx="10455461" cy="10149840"/>
-          </a:xfrm>
-          <a:prstGeom prst="rect">
-            <a:avLst/>
-          </a:prstGeom>
-        </p:spPr>
-      </p:pic>
-      <p:pic>
-        <p:nvPicPr>
-          <p:cNvPr id="3" name="Picture 2">
-            <a:extLst>
-              <a:ext uri="{FF2B5EF4-FFF2-40B4-BE49-F238E27FC236}">
-                <a16:creationId xmlns:a16="http://schemas.microsoft.com/office/drawing/2014/main" id="{8C9478FF-013B-4C36-8795-39F14A740D34}"/>
-              </a:ext>
-            </a:extLst>
-          </p:cNvPr>
-          <p:cNvPicPr>
-            <a:picLocks noChangeAspect="1"/>
-          </p:cNvPicPr>
-          <p:nvPr/>
-        </p:nvPicPr>
-        <p:blipFill rotWithShape="1">
-          <a:blip r:embed="rId3"/>
-          <a:srcRect t="16052" r="7520"/>
-          <a:stretch/>
-        </p:blipFill>
-        <p:spPr>
-          <a:xfrm>
-            <a:off x="1576832" y="5252384"/>
-            <a:ext cx="3262769" cy="3204979"/>
-          </a:xfrm>
-          <a:prstGeom prst="rect">
-            <a:avLst/>
-          </a:prstGeom>
-        </p:spPr>
-      </p:pic>
-      <p:sp>
-        <p:nvSpPr>
-          <p:cNvPr id="26" name="TextBox 25">
-            <a:extLst>
-              <a:ext uri="{FF2B5EF4-FFF2-40B4-BE49-F238E27FC236}">
-                <a16:creationId xmlns:a16="http://schemas.microsoft.com/office/drawing/2014/main" id="{130F62BE-96C9-4DD4-A49E-23CC419776BA}"/>
-              </a:ext>
-            </a:extLst>
-          </p:cNvPr>
-          <p:cNvSpPr txBox="1"/>
-          <p:nvPr/>
-        </p:nvSpPr>
-        <p:spPr>
-          <a:xfrm>
-            <a:off x="1576830" y="396240"/>
-            <a:ext cx="801872" cy="523220"/>
-          </a:xfrm>
-          <a:prstGeom prst="rect">
-            <a:avLst/>
-          </a:prstGeom>
-          <a:noFill/>
-        </p:spPr>
-        <p:txBody>
-          <a:bodyPr wrap="square" rtlCol="0">
-            <a:spAutoFit/>
-          </a:bodyPr>
-          <a:lstStyle/>
-          <a:p>
-            <a:r>
-              <a:rPr lang="en-US" sz="2800" dirty="0">
-                <a:latin typeface="Manrope Medium" pitchFamily="2" charset="0"/>
-              </a:rPr>
-              <a:t>(A)</a:t>
-            </a:r>
-          </a:p>
-        </p:txBody>
-      </p:sp>
-      <p:pic>
-        <p:nvPicPr>
-          <p:cNvPr id="6" name="Picture 5">
-            <a:extLst>
-              <a:ext uri="{FF2B5EF4-FFF2-40B4-BE49-F238E27FC236}">
-                <a16:creationId xmlns:a16="http://schemas.microsoft.com/office/drawing/2014/main" id="{193C72FF-F777-412F-89F6-D4F31A3C362F}"/>
-              </a:ext>
-            </a:extLst>
-          </p:cNvPr>
-          <p:cNvPicPr>
-            <a:picLocks noChangeAspect="1"/>
-          </p:cNvPicPr>
-          <p:nvPr/>
-        </p:nvPicPr>
-        <p:blipFill rotWithShape="1">
-          <a:blip r:embed="rId4"/>
-          <a:srcRect l="6414"/>
-          <a:stretch/>
-        </p:blipFill>
-        <p:spPr>
-          <a:xfrm>
-            <a:off x="10277212" y="-480060"/>
-            <a:ext cx="9828977" cy="10195560"/>
-          </a:xfrm>
-          <a:prstGeom prst="rect">
-            <a:avLst/>
-          </a:prstGeom>
-        </p:spPr>
-      </p:pic>
-      <p:pic>
-        <p:nvPicPr>
-          <p:cNvPr id="8" name="Picture 7">
-            <a:extLst>
-              <a:ext uri="{FF2B5EF4-FFF2-40B4-BE49-F238E27FC236}">
-                <a16:creationId xmlns:a16="http://schemas.microsoft.com/office/drawing/2014/main" id="{944D5038-3169-4F29-BD47-8A782892D0EA}"/>
-              </a:ext>
-            </a:extLst>
-          </p:cNvPr>
-          <p:cNvPicPr>
-            <a:picLocks noChangeAspect="1"/>
-          </p:cNvPicPr>
-          <p:nvPr/>
-        </p:nvPicPr>
-        <p:blipFill rotWithShape="1">
-          <a:blip r:embed="rId5"/>
-          <a:srcRect t="16020" r="8149"/>
-          <a:stretch/>
-        </p:blipFill>
-        <p:spPr>
-          <a:xfrm>
-            <a:off x="10690734" y="5252384"/>
-            <a:ext cx="3241014" cy="3204979"/>
-          </a:xfrm>
-          <a:prstGeom prst="rect">
-            <a:avLst/>
-          </a:prstGeom>
-        </p:spPr>
-      </p:pic>
-      <p:sp>
-        <p:nvSpPr>
-          <p:cNvPr id="27" name="TextBox 26">
-            <a:extLst>
-              <a:ext uri="{FF2B5EF4-FFF2-40B4-BE49-F238E27FC236}">
-                <a16:creationId xmlns:a16="http://schemas.microsoft.com/office/drawing/2014/main" id="{F5B0B521-71E5-43C5-964C-0ED5BBBF162B}"/>
-              </a:ext>
-            </a:extLst>
-          </p:cNvPr>
-          <p:cNvSpPr txBox="1"/>
-          <p:nvPr/>
-        </p:nvSpPr>
-        <p:spPr>
-          <a:xfrm>
-            <a:off x="10695618" y="396240"/>
-            <a:ext cx="801872" cy="523220"/>
-          </a:xfrm>
-          <a:prstGeom prst="rect">
-            <a:avLst/>
-          </a:prstGeom>
-          <a:noFill/>
-        </p:spPr>
-        <p:txBody>
-          <a:bodyPr wrap="square" rtlCol="0">
-            <a:spAutoFit/>
-          </a:bodyPr>
-          <a:lstStyle/>
-          <a:p>
-            <a:r>
-              <a:rPr lang="en-US" sz="2800" dirty="0">
-                <a:latin typeface="Manrope Medium" pitchFamily="2" charset="0"/>
-              </a:rPr>
-              <a:t>(B)</a:t>
-            </a:r>
-          </a:p>
-        </p:txBody>
-      </p:sp>
-    </p:spTree>
-    <p:extLst>
-      <p:ext uri="{BB962C8B-B14F-4D97-AF65-F5344CB8AC3E}">
-        <p14:creationId xmlns:p14="http://schemas.microsoft.com/office/powerpoint/2010/main" val="2465947727"/>
-      </p:ext>
-    </p:extLst>
-  </p:cSld>
-  <p:clrMapOvr>
-    <a:masterClrMapping/>
-  </p:clrMapOvr>
-</p:sld>
-</file>
-
 <file path=ppt/theme/theme1.xml><?xml version="1.0" encoding="utf-8"?>
 <a:theme xmlns:a="http://schemas.openxmlformats.org/drawingml/2006/main" name="Office Theme">
   <a:themeElements>
